--- a/项目展示幻灯片/个人汇报 戴显灏.pptx
+++ b/项目展示幻灯片/个人汇报 戴显灏.pptx
@@ -2,7 +2,7 @@
 <file path=ppt/presentation.xml><?xml version="1.0" encoding="utf-8"?>
 <p:presentation xmlns:a="http://schemas.openxmlformats.org/drawingml/2006/main" xmlns:r="http://schemas.openxmlformats.org/officeDocument/2006/relationships" xmlns:p="http://schemas.openxmlformats.org/presentationml/2006/main" saveSubsetFonts="1">
   <p:sldMasterIdLst>
-    <p:sldMasterId id="2147483753" r:id="rId1"/>
+    <p:sldMasterId id="2147483771" r:id="rId1"/>
   </p:sldMasterIdLst>
   <p:sldIdLst>
     <p:sldId id="256" r:id="rId2"/>
@@ -109,11 +109,16 @@
       </a:defRPr>
     </a:lvl9pPr>
   </p:defaultTextStyle>
+  <p:extLst>
+    <p:ext uri="{EFAFB233-063F-42B5-8137-9DF3F51BA10A}">
+      <p15:sldGuideLst xmlns:p15="http://schemas.microsoft.com/office/powerpoint/2012/main"/>
+    </p:ext>
+  </p:extLst>
 </p:presentation>
 </file>
 
 <file path=ppt/slideLayouts/slideLayout1.xml><?xml version="1.0" encoding="utf-8"?>
-<p:sldLayout xmlns:a="http://schemas.openxmlformats.org/drawingml/2006/main" xmlns:r="http://schemas.openxmlformats.org/officeDocument/2006/relationships" xmlns:p="http://schemas.openxmlformats.org/presentationml/2006/main" showMasterSp="0" type="title" preserve="1">
+<p:sldLayout xmlns:a="http://schemas.openxmlformats.org/drawingml/2006/main" xmlns:r="http://schemas.openxmlformats.org/officeDocument/2006/relationships" xmlns:p="http://schemas.openxmlformats.org/presentationml/2006/main" type="title" preserve="1">
   <p:cSld name="标题幻灯片">
     <p:spTree>
       <p:nvGrpSpPr>
@@ -141,19 +146,17 @@
         </p:nvSpPr>
         <p:spPr>
           <a:xfrm>
-            <a:off x="684212" y="685799"/>
-            <a:ext cx="8001000" cy="2971801"/>
+            <a:off x="2417779" y="802298"/>
+            <a:ext cx="8637073" cy="2541431"/>
           </a:xfrm>
         </p:spPr>
         <p:txBody>
-          <a:bodyPr anchor="b">
+          <a:bodyPr bIns="0" anchor="b">
             <a:normAutofit/>
           </a:bodyPr>
           <a:lstStyle>
             <a:lvl1pPr algn="l">
-              <a:defRPr sz="4800">
-                <a:effectLst/>
-              </a:defRPr>
+              <a:defRPr sz="6600"/>
             </a:lvl1pPr>
           </a:lstStyle>
           <a:p>
@@ -177,104 +180,54 @@
         </p:nvSpPr>
         <p:spPr>
           <a:xfrm>
-            <a:off x="684212" y="3843867"/>
-            <a:ext cx="6400800" cy="1947333"/>
+            <a:off x="2417780" y="3531204"/>
+            <a:ext cx="8637072" cy="977621"/>
           </a:xfrm>
         </p:spPr>
         <p:txBody>
-          <a:bodyPr anchor="t">
+          <a:bodyPr tIns="91440" bIns="91440">
             <a:normAutofit/>
           </a:bodyPr>
           <a:lstStyle>
             <a:lvl1pPr marL="0" indent="0" algn="l">
               <a:buNone/>
-              <a:defRPr sz="2100">
+              <a:defRPr sz="1800" b="0" cap="all" baseline="0">
                 <a:solidFill>
-                  <a:schemeClr val="bg2">
-                    <a:lumMod val="75000"/>
-                  </a:schemeClr>
+                  <a:schemeClr val="tx1"/>
                 </a:solidFill>
               </a:defRPr>
             </a:lvl1pPr>
             <a:lvl2pPr marL="457200" indent="0" algn="ctr">
               <a:buNone/>
-              <a:defRPr>
-                <a:solidFill>
-                  <a:schemeClr val="tx1">
-                    <a:tint val="75000"/>
-                  </a:schemeClr>
-                </a:solidFill>
-              </a:defRPr>
+              <a:defRPr sz="1800"/>
             </a:lvl2pPr>
             <a:lvl3pPr marL="914400" indent="0" algn="ctr">
               <a:buNone/>
-              <a:defRPr>
-                <a:solidFill>
-                  <a:schemeClr val="tx1">
-                    <a:tint val="75000"/>
-                  </a:schemeClr>
-                </a:solidFill>
-              </a:defRPr>
+              <a:defRPr sz="1800"/>
             </a:lvl3pPr>
             <a:lvl4pPr marL="1371600" indent="0" algn="ctr">
               <a:buNone/>
-              <a:defRPr>
-                <a:solidFill>
-                  <a:schemeClr val="tx1">
-                    <a:tint val="75000"/>
-                  </a:schemeClr>
-                </a:solidFill>
-              </a:defRPr>
+              <a:defRPr sz="1600"/>
             </a:lvl4pPr>
             <a:lvl5pPr marL="1828800" indent="0" algn="ctr">
               <a:buNone/>
-              <a:defRPr>
-                <a:solidFill>
-                  <a:schemeClr val="tx1">
-                    <a:tint val="75000"/>
-                  </a:schemeClr>
-                </a:solidFill>
-              </a:defRPr>
+              <a:defRPr sz="1600"/>
             </a:lvl5pPr>
             <a:lvl6pPr marL="2286000" indent="0" algn="ctr">
               <a:buNone/>
-              <a:defRPr>
-                <a:solidFill>
-                  <a:schemeClr val="tx1">
-                    <a:tint val="75000"/>
-                  </a:schemeClr>
-                </a:solidFill>
-              </a:defRPr>
+              <a:defRPr sz="1600"/>
             </a:lvl6pPr>
             <a:lvl7pPr marL="2743200" indent="0" algn="ctr">
               <a:buNone/>
-              <a:defRPr>
-                <a:solidFill>
-                  <a:schemeClr val="tx1">
-                    <a:tint val="75000"/>
-                  </a:schemeClr>
-                </a:solidFill>
-              </a:defRPr>
+              <a:defRPr sz="1600"/>
             </a:lvl7pPr>
             <a:lvl8pPr marL="3200400" indent="0" algn="ctr">
               <a:buNone/>
-              <a:defRPr>
-                <a:solidFill>
-                  <a:schemeClr val="tx1">
-                    <a:tint val="75000"/>
-                  </a:schemeClr>
-                </a:solidFill>
-              </a:defRPr>
+              <a:defRPr sz="1600"/>
             </a:lvl8pPr>
             <a:lvl9pPr marL="3657600" indent="0" algn="ctr">
               <a:buNone/>
-              <a:defRPr>
-                <a:solidFill>
-                  <a:schemeClr val="tx1">
-                    <a:tint val="75000"/>
-                  </a:schemeClr>
-                </a:solidFill>
-              </a:defRPr>
+              <a:defRPr sz="1600"/>
             </a:lvl9pPr>
           </a:lstStyle>
           <a:p>
@@ -303,7 +256,7 @@
           <a:p>
             <a:fld id="{DEC8F6E9-8B93-4AFB-A97F-CD8D0E606F2A}" type="datetimeFigureOut">
               <a:rPr lang="zh-CN" altLang="en-US" smtClean="0"/>
-              <a:t>2022/7/9</a:t>
+              <a:t>2022/7/11</a:t>
             </a:fld>
             <a:endParaRPr lang="zh-CN" altLang="en-US"/>
           </a:p>
@@ -319,7 +272,12 @@
             <p:ph type="ftr" sz="quarter" idx="11"/>
           </p:nvPr>
         </p:nvSpPr>
-        <p:spPr/>
+        <p:spPr>
+          <a:xfrm>
+            <a:off x="2416500" y="329307"/>
+            <a:ext cx="4973915" cy="309201"/>
+          </a:xfrm>
+        </p:spPr>
         <p:txBody>
           <a:bodyPr/>
           <a:lstStyle/>
@@ -338,7 +296,12 @@
             <p:ph type="sldNum" sz="quarter" idx="12"/>
           </p:nvPr>
         </p:nvSpPr>
-        <p:spPr/>
+        <p:spPr>
+          <a:xfrm>
+            <a:off x="1437664" y="798973"/>
+            <a:ext cx="811019" cy="503578"/>
+          </a:xfrm>
+        </p:spPr>
         <p:txBody>
           <a:bodyPr/>
           <a:lstStyle/>
@@ -353,172 +316,28 @@
       </p:sp>
       <p:cxnSp>
         <p:nvCxnSpPr>
-          <p:cNvPr id="16" name="Straight Connector 15"/>
+          <p:cNvPr id="15" name="Straight Connector 14"/>
           <p:cNvCxnSpPr/>
           <p:nvPr/>
         </p:nvCxnSpPr>
         <p:spPr>
-          <a:xfrm flipH="1">
-            <a:off x="8228012" y="8467"/>
-            <a:ext cx="3810000" cy="3810000"/>
+          <a:xfrm>
+            <a:off x="2417780" y="3528542"/>
+            <a:ext cx="8637072" cy="0"/>
           </a:xfrm>
           <a:prstGeom prst="line">
             <a:avLst/>
           </a:prstGeom>
-          <a:ln w="12700">
-            <a:solidFill>
-              <a:schemeClr val="tx1"/>
-            </a:solidFill>
-          </a:ln>
+          <a:ln w="31750"/>
         </p:spPr>
         <p:style>
-          <a:lnRef idx="2">
+          <a:lnRef idx="3">
             <a:schemeClr val="accent1"/>
           </a:lnRef>
           <a:fillRef idx="0">
             <a:schemeClr val="accent1"/>
           </a:fillRef>
-          <a:effectRef idx="1">
-            <a:schemeClr val="accent1"/>
-          </a:effectRef>
-          <a:fontRef idx="minor">
-            <a:schemeClr val="tx1"/>
-          </a:fontRef>
-        </p:style>
-      </p:cxnSp>
-      <p:cxnSp>
-        <p:nvCxnSpPr>
-          <p:cNvPr id="17" name="Straight Connector 16"/>
-          <p:cNvCxnSpPr/>
-          <p:nvPr/>
-        </p:nvCxnSpPr>
-        <p:spPr>
-          <a:xfrm flipH="1">
-            <a:off x="6108170" y="91545"/>
-            <a:ext cx="6080655" cy="6080655"/>
-          </a:xfrm>
-          <a:prstGeom prst="line">
-            <a:avLst/>
-          </a:prstGeom>
-          <a:ln w="12700">
-            <a:solidFill>
-              <a:schemeClr val="tx1"/>
-            </a:solidFill>
-          </a:ln>
-        </p:spPr>
-        <p:style>
-          <a:lnRef idx="2">
-            <a:schemeClr val="accent1"/>
-          </a:lnRef>
-          <a:fillRef idx="0">
-            <a:schemeClr val="accent1"/>
-          </a:fillRef>
-          <a:effectRef idx="1">
-            <a:schemeClr val="accent1"/>
-          </a:effectRef>
-          <a:fontRef idx="minor">
-            <a:schemeClr val="tx1"/>
-          </a:fontRef>
-        </p:style>
-      </p:cxnSp>
-      <p:cxnSp>
-        <p:nvCxnSpPr>
-          <p:cNvPr id="19" name="Straight Connector 18"/>
-          <p:cNvCxnSpPr/>
-          <p:nvPr/>
-        </p:nvCxnSpPr>
-        <p:spPr>
-          <a:xfrm flipH="1">
-            <a:off x="7235825" y="228600"/>
-            <a:ext cx="4953000" cy="4953000"/>
-          </a:xfrm>
-          <a:prstGeom prst="line">
-            <a:avLst/>
-          </a:prstGeom>
-          <a:ln w="12700">
-            <a:solidFill>
-              <a:schemeClr val="tx1"/>
-            </a:solidFill>
-          </a:ln>
-        </p:spPr>
-        <p:style>
-          <a:lnRef idx="2">
-            <a:schemeClr val="accent1"/>
-          </a:lnRef>
-          <a:fillRef idx="0">
-            <a:schemeClr val="accent1"/>
-          </a:fillRef>
-          <a:effectRef idx="1">
-            <a:schemeClr val="accent1"/>
-          </a:effectRef>
-          <a:fontRef idx="minor">
-            <a:schemeClr val="tx1"/>
-          </a:fontRef>
-        </p:style>
-      </p:cxnSp>
-      <p:cxnSp>
-        <p:nvCxnSpPr>
-          <p:cNvPr id="21" name="Straight Connector 20"/>
-          <p:cNvCxnSpPr/>
-          <p:nvPr/>
-        </p:nvCxnSpPr>
-        <p:spPr>
-          <a:xfrm flipH="1">
-            <a:off x="7335837" y="32278"/>
-            <a:ext cx="4852989" cy="4852989"/>
-          </a:xfrm>
-          <a:prstGeom prst="line">
-            <a:avLst/>
-          </a:prstGeom>
-          <a:ln w="31750">
-            <a:solidFill>
-              <a:schemeClr val="tx1"/>
-            </a:solidFill>
-          </a:ln>
-        </p:spPr>
-        <p:style>
-          <a:lnRef idx="2">
-            <a:schemeClr val="accent1"/>
-          </a:lnRef>
-          <a:fillRef idx="0">
-            <a:schemeClr val="accent1"/>
-          </a:fillRef>
-          <a:effectRef idx="1">
-            <a:schemeClr val="accent1"/>
-          </a:effectRef>
-          <a:fontRef idx="minor">
-            <a:schemeClr val="tx1"/>
-          </a:fontRef>
-        </p:style>
-      </p:cxnSp>
-      <p:cxnSp>
-        <p:nvCxnSpPr>
-          <p:cNvPr id="23" name="Straight Connector 22"/>
-          <p:cNvCxnSpPr/>
-          <p:nvPr/>
-        </p:nvCxnSpPr>
-        <p:spPr>
-          <a:xfrm flipH="1">
-            <a:off x="7845426" y="609601"/>
-            <a:ext cx="4343399" cy="4343399"/>
-          </a:xfrm>
-          <a:prstGeom prst="line">
-            <a:avLst/>
-          </a:prstGeom>
-          <a:ln w="31750">
-            <a:solidFill>
-              <a:schemeClr val="tx1"/>
-            </a:solidFill>
-          </a:ln>
-        </p:spPr>
-        <p:style>
-          <a:lnRef idx="2">
-            <a:schemeClr val="accent1"/>
-          </a:lnRef>
-          <a:fillRef idx="0">
-            <a:schemeClr val="accent1"/>
-          </a:fillRef>
-          <a:effectRef idx="1">
+          <a:effectRef idx="2">
             <a:schemeClr val="accent1"/>
           </a:effectRef>
           <a:fontRef idx="minor">
@@ -529,7 +348,7 @@
     </p:spTree>
     <p:extLst>
       <p:ext uri="{BB962C8B-B14F-4D97-AF65-F5344CB8AC3E}">
-        <p14:creationId xmlns:p14="http://schemas.microsoft.com/office/powerpoint/2010/main" val="2876184580"/>
+        <p14:creationId xmlns:p14="http://schemas.microsoft.com/office/powerpoint/2010/main" val="760286621"/>
       </p:ext>
     </p:extLst>
   </p:cSld>
@@ -540,1812 +359,6 @@
 </file>
 
 <file path=ppt/slideLayouts/slideLayout10.xml><?xml version="1.0" encoding="utf-8"?>
-<p:sldLayout xmlns:a="http://schemas.openxmlformats.org/drawingml/2006/main" xmlns:r="http://schemas.openxmlformats.org/officeDocument/2006/relationships" xmlns:p="http://schemas.openxmlformats.org/presentationml/2006/main" preserve="1">
-  <p:cSld name="带描述的全景图片">
-    <p:spTree>
-      <p:nvGrpSpPr>
-        <p:cNvPr id="1" name=""/>
-        <p:cNvGrpSpPr/>
-        <p:nvPr/>
-      </p:nvGrpSpPr>
-      <p:grpSpPr>
-        <a:xfrm>
-          <a:off x="0" y="0"/>
-          <a:ext cx="0" cy="0"/>
-          <a:chOff x="0" y="0"/>
-          <a:chExt cx="0" cy="0"/>
-        </a:xfrm>
-      </p:grpSpPr>
-      <p:sp>
-        <p:nvSpPr>
-          <p:cNvPr id="2" name="Title 1"/>
-          <p:cNvSpPr>
-            <a:spLocks noGrp="1"/>
-          </p:cNvSpPr>
-          <p:nvPr>
-            <p:ph type="title"/>
-          </p:nvPr>
-        </p:nvSpPr>
-        <p:spPr/>
-        <p:txBody>
-          <a:bodyPr/>
-          <a:lstStyle/>
-          <a:p>
-            <a:r>
-              <a:rPr lang="zh-CN" altLang="en-US"/>
-              <a:t>单击此处编辑母版标题样式</a:t>
-            </a:r>
-            <a:endParaRPr lang="en-US" dirty="0"/>
-          </a:p>
-        </p:txBody>
-      </p:sp>
-      <p:sp>
-        <p:nvSpPr>
-          <p:cNvPr id="17" name="Picture Placeholder 2"/>
-          <p:cNvSpPr>
-            <a:spLocks noGrp="1" noChangeAspect="1"/>
-          </p:cNvSpPr>
-          <p:nvPr>
-            <p:ph type="pic" idx="13"/>
-          </p:nvPr>
-        </p:nvSpPr>
-        <p:spPr>
-          <a:xfrm>
-            <a:off x="685800" y="533400"/>
-            <a:ext cx="10818812" cy="3124200"/>
-          </a:xfrm>
-          <a:prstGeom prst="snip2DiagRect">
-            <a:avLst>
-              <a:gd name="adj1" fmla="val 10815"/>
-              <a:gd name="adj2" fmla="val 0"/>
-            </a:avLst>
-          </a:prstGeom>
-          <a:ln w="15875">
-            <a:solidFill>
-              <a:schemeClr val="tx1">
-                <a:alpha val="40000"/>
-              </a:schemeClr>
-            </a:solidFill>
-          </a:ln>
-          <a:effectLst>
-            <a:innerShdw blurRad="57150" dist="38100" dir="14460000">
-              <a:srgbClr val="000000">
-                <a:alpha val="70000"/>
-              </a:srgbClr>
-            </a:innerShdw>
-          </a:effectLst>
-        </p:spPr>
-        <p:txBody>
-          <a:bodyPr anchor="t">
-            <a:normAutofit/>
-          </a:bodyPr>
-          <a:lstStyle>
-            <a:lvl1pPr marL="0" indent="0" algn="ctr">
-              <a:buNone/>
-              <a:defRPr sz="1600"/>
-            </a:lvl1pPr>
-            <a:lvl2pPr marL="457200" indent="0">
-              <a:buNone/>
-              <a:defRPr sz="1600"/>
-            </a:lvl2pPr>
-            <a:lvl3pPr marL="914400" indent="0">
-              <a:buNone/>
-              <a:defRPr sz="1600"/>
-            </a:lvl3pPr>
-            <a:lvl4pPr marL="1371600" indent="0">
-              <a:buNone/>
-              <a:defRPr sz="1600"/>
-            </a:lvl4pPr>
-            <a:lvl5pPr marL="1828800" indent="0">
-              <a:buNone/>
-              <a:defRPr sz="1600"/>
-            </a:lvl5pPr>
-            <a:lvl6pPr marL="2286000" indent="0">
-              <a:buNone/>
-              <a:defRPr sz="1600"/>
-            </a:lvl6pPr>
-            <a:lvl7pPr marL="2743200" indent="0">
-              <a:buNone/>
-              <a:defRPr sz="1600"/>
-            </a:lvl7pPr>
-            <a:lvl8pPr marL="3200400" indent="0">
-              <a:buNone/>
-              <a:defRPr sz="1600"/>
-            </a:lvl8pPr>
-            <a:lvl9pPr marL="3657600" indent="0">
-              <a:buNone/>
-              <a:defRPr sz="1600"/>
-            </a:lvl9pPr>
-          </a:lstStyle>
-          <a:p>
-            <a:r>
-              <a:rPr lang="zh-CN" altLang="en-US"/>
-              <a:t>单击图标添加图片</a:t>
-            </a:r>
-            <a:endParaRPr lang="en-US" dirty="0"/>
-          </a:p>
-        </p:txBody>
-      </p:sp>
-      <p:sp>
-        <p:nvSpPr>
-          <p:cNvPr id="16" name="Text Placeholder 9"/>
-          <p:cNvSpPr>
-            <a:spLocks noGrp="1"/>
-          </p:cNvSpPr>
-          <p:nvPr>
-            <p:ph type="body" sz="quarter" idx="14"/>
-          </p:nvPr>
-        </p:nvSpPr>
-        <p:spPr>
-          <a:xfrm>
-            <a:off x="914402" y="3843867"/>
-            <a:ext cx="8304210" cy="457200"/>
-          </a:xfrm>
-        </p:spPr>
-        <p:txBody>
-          <a:bodyPr anchor="t">
-            <a:normAutofit/>
-          </a:bodyPr>
-          <a:lstStyle>
-            <a:lvl1pPr marL="0" indent="0">
-              <a:buFontTx/>
-              <a:buNone/>
-              <a:defRPr sz="1600"/>
-            </a:lvl1pPr>
-            <a:lvl2pPr marL="457200" indent="0">
-              <a:buFontTx/>
-              <a:buNone/>
-              <a:defRPr/>
-            </a:lvl2pPr>
-            <a:lvl3pPr marL="914400" indent="0">
-              <a:buFontTx/>
-              <a:buNone/>
-              <a:defRPr/>
-            </a:lvl3pPr>
-            <a:lvl4pPr marL="1371600" indent="0">
-              <a:buFontTx/>
-              <a:buNone/>
-              <a:defRPr/>
-            </a:lvl4pPr>
-            <a:lvl5pPr marL="1828800" indent="0">
-              <a:buFontTx/>
-              <a:buNone/>
-              <a:defRPr/>
-            </a:lvl5pPr>
-          </a:lstStyle>
-          <a:p>
-            <a:pPr lvl="0"/>
-            <a:r>
-              <a:rPr lang="zh-CN" altLang="en-US"/>
-              <a:t>单击此处编辑母版文本样式</a:t>
-            </a:r>
-          </a:p>
-        </p:txBody>
-      </p:sp>
-      <p:sp>
-        <p:nvSpPr>
-          <p:cNvPr id="3" name="Date Placeholder 2"/>
-          <p:cNvSpPr>
-            <a:spLocks noGrp="1"/>
-          </p:cNvSpPr>
-          <p:nvPr>
-            <p:ph type="dt" sz="half" idx="10"/>
-          </p:nvPr>
-        </p:nvSpPr>
-        <p:spPr/>
-        <p:txBody>
-          <a:bodyPr/>
-          <a:lstStyle/>
-          <a:p>
-            <a:fld id="{DEC8F6E9-8B93-4AFB-A97F-CD8D0E606F2A}" type="datetimeFigureOut">
-              <a:rPr lang="zh-CN" altLang="en-US" smtClean="0"/>
-              <a:t>2022/7/9</a:t>
-            </a:fld>
-            <a:endParaRPr lang="zh-CN" altLang="en-US"/>
-          </a:p>
-        </p:txBody>
-      </p:sp>
-      <p:sp>
-        <p:nvSpPr>
-          <p:cNvPr id="4" name="Footer Placeholder 3"/>
-          <p:cNvSpPr>
-            <a:spLocks noGrp="1"/>
-          </p:cNvSpPr>
-          <p:nvPr>
-            <p:ph type="ftr" sz="quarter" idx="11"/>
-          </p:nvPr>
-        </p:nvSpPr>
-        <p:spPr/>
-        <p:txBody>
-          <a:bodyPr/>
-          <a:lstStyle/>
-          <a:p>
-            <a:endParaRPr lang="zh-CN" altLang="en-US"/>
-          </a:p>
-        </p:txBody>
-      </p:sp>
-      <p:sp>
-        <p:nvSpPr>
-          <p:cNvPr id="5" name="Slide Number Placeholder 4"/>
-          <p:cNvSpPr>
-            <a:spLocks noGrp="1"/>
-          </p:cNvSpPr>
-          <p:nvPr>
-            <p:ph type="sldNum" sz="quarter" idx="12"/>
-          </p:nvPr>
-        </p:nvSpPr>
-        <p:spPr/>
-        <p:txBody>
-          <a:bodyPr/>
-          <a:lstStyle/>
-          <a:p>
-            <a:fld id="{971F108E-2C3F-4B0D-9D52-DD816E650405}" type="slidenum">
-              <a:rPr lang="zh-CN" altLang="en-US" smtClean="0"/>
-              <a:t>‹#›</a:t>
-            </a:fld>
-            <a:endParaRPr lang="zh-CN" altLang="en-US"/>
-          </a:p>
-        </p:txBody>
-      </p:sp>
-    </p:spTree>
-    <p:extLst>
-      <p:ext uri="{BB962C8B-B14F-4D97-AF65-F5344CB8AC3E}">
-        <p14:creationId xmlns:p14="http://schemas.microsoft.com/office/powerpoint/2010/main" val="2214561225"/>
-      </p:ext>
-    </p:extLst>
-  </p:cSld>
-  <p:clrMapOvr>
-    <a:masterClrMapping/>
-  </p:clrMapOvr>
-</p:sldLayout>
-</file>
-
-<file path=ppt/slideLayouts/slideLayout11.xml><?xml version="1.0" encoding="utf-8"?>
-<p:sldLayout xmlns:a="http://schemas.openxmlformats.org/drawingml/2006/main" xmlns:r="http://schemas.openxmlformats.org/officeDocument/2006/relationships" xmlns:p="http://schemas.openxmlformats.org/presentationml/2006/main" preserve="1">
-  <p:cSld name="标题和描述">
-    <p:spTree>
-      <p:nvGrpSpPr>
-        <p:cNvPr id="1" name=""/>
-        <p:cNvGrpSpPr/>
-        <p:nvPr/>
-      </p:nvGrpSpPr>
-      <p:grpSpPr>
-        <a:xfrm>
-          <a:off x="0" y="0"/>
-          <a:ext cx="0" cy="0"/>
-          <a:chOff x="0" y="0"/>
-          <a:chExt cx="0" cy="0"/>
-        </a:xfrm>
-      </p:grpSpPr>
-      <p:sp>
-        <p:nvSpPr>
-          <p:cNvPr id="2" name="Title 1"/>
-          <p:cNvSpPr>
-            <a:spLocks noGrp="1"/>
-          </p:cNvSpPr>
-          <p:nvPr>
-            <p:ph type="title"/>
-          </p:nvPr>
-        </p:nvSpPr>
-        <p:spPr>
-          <a:xfrm>
-            <a:off x="684213" y="685800"/>
-            <a:ext cx="10058400" cy="2743200"/>
-          </a:xfrm>
-        </p:spPr>
-        <p:txBody>
-          <a:bodyPr anchor="ctr">
-            <a:normAutofit/>
-          </a:bodyPr>
-          <a:lstStyle>
-            <a:lvl1pPr algn="l">
-              <a:defRPr sz="3200" b="0" cap="all"/>
-            </a:lvl1pPr>
-          </a:lstStyle>
-          <a:p>
-            <a:r>
-              <a:rPr lang="zh-CN" altLang="en-US"/>
-              <a:t>单击此处编辑母版标题样式</a:t>
-            </a:r>
-            <a:endParaRPr lang="en-US" dirty="0"/>
-          </a:p>
-        </p:txBody>
-      </p:sp>
-      <p:sp>
-        <p:nvSpPr>
-          <p:cNvPr id="3" name="Text Placeholder 2"/>
-          <p:cNvSpPr>
-            <a:spLocks noGrp="1"/>
-          </p:cNvSpPr>
-          <p:nvPr>
-            <p:ph type="body" idx="1"/>
-          </p:nvPr>
-        </p:nvSpPr>
-        <p:spPr>
-          <a:xfrm>
-            <a:off x="684212" y="4114800"/>
-            <a:ext cx="8535988" cy="1879600"/>
-          </a:xfrm>
-        </p:spPr>
-        <p:txBody>
-          <a:bodyPr anchor="ctr">
-            <a:normAutofit/>
-          </a:bodyPr>
-          <a:lstStyle>
-            <a:lvl1pPr marL="0" indent="0" algn="l">
-              <a:buNone/>
-              <a:defRPr sz="2000">
-                <a:solidFill>
-                  <a:schemeClr val="bg2">
-                    <a:lumMod val="75000"/>
-                  </a:schemeClr>
-                </a:solidFill>
-              </a:defRPr>
-            </a:lvl1pPr>
-            <a:lvl2pPr marL="457200" indent="0">
-              <a:buNone/>
-              <a:defRPr sz="1800">
-                <a:solidFill>
-                  <a:schemeClr val="tx1">
-                    <a:tint val="75000"/>
-                  </a:schemeClr>
-                </a:solidFill>
-              </a:defRPr>
-            </a:lvl2pPr>
-            <a:lvl3pPr marL="914400" indent="0">
-              <a:buNone/>
-              <a:defRPr sz="1600">
-                <a:solidFill>
-                  <a:schemeClr val="tx1">
-                    <a:tint val="75000"/>
-                  </a:schemeClr>
-                </a:solidFill>
-              </a:defRPr>
-            </a:lvl3pPr>
-            <a:lvl4pPr marL="1371600" indent="0">
-              <a:buNone/>
-              <a:defRPr sz="1400">
-                <a:solidFill>
-                  <a:schemeClr val="tx1">
-                    <a:tint val="75000"/>
-                  </a:schemeClr>
-                </a:solidFill>
-              </a:defRPr>
-            </a:lvl4pPr>
-            <a:lvl5pPr marL="1828800" indent="0">
-              <a:buNone/>
-              <a:defRPr sz="1400">
-                <a:solidFill>
-                  <a:schemeClr val="tx1">
-                    <a:tint val="75000"/>
-                  </a:schemeClr>
-                </a:solidFill>
-              </a:defRPr>
-            </a:lvl5pPr>
-            <a:lvl6pPr marL="2286000" indent="0">
-              <a:buNone/>
-              <a:defRPr sz="1400">
-                <a:solidFill>
-                  <a:schemeClr val="tx1">
-                    <a:tint val="75000"/>
-                  </a:schemeClr>
-                </a:solidFill>
-              </a:defRPr>
-            </a:lvl6pPr>
-            <a:lvl7pPr marL="2743200" indent="0">
-              <a:buNone/>
-              <a:defRPr sz="1400">
-                <a:solidFill>
-                  <a:schemeClr val="tx1">
-                    <a:tint val="75000"/>
-                  </a:schemeClr>
-                </a:solidFill>
-              </a:defRPr>
-            </a:lvl7pPr>
-            <a:lvl8pPr marL="3200400" indent="0">
-              <a:buNone/>
-              <a:defRPr sz="1400">
-                <a:solidFill>
-                  <a:schemeClr val="tx1">
-                    <a:tint val="75000"/>
-                  </a:schemeClr>
-                </a:solidFill>
-              </a:defRPr>
-            </a:lvl8pPr>
-            <a:lvl9pPr marL="3657600" indent="0">
-              <a:buNone/>
-              <a:defRPr sz="1400">
-                <a:solidFill>
-                  <a:schemeClr val="tx1">
-                    <a:tint val="75000"/>
-                  </a:schemeClr>
-                </a:solidFill>
-              </a:defRPr>
-            </a:lvl9pPr>
-          </a:lstStyle>
-          <a:p>
-            <a:pPr lvl="0"/>
-            <a:r>
-              <a:rPr lang="zh-CN" altLang="en-US"/>
-              <a:t>单击此处编辑母版文本样式</a:t>
-            </a:r>
-          </a:p>
-        </p:txBody>
-      </p:sp>
-      <p:sp>
-        <p:nvSpPr>
-          <p:cNvPr id="4" name="Date Placeholder 3"/>
-          <p:cNvSpPr>
-            <a:spLocks noGrp="1"/>
-          </p:cNvSpPr>
-          <p:nvPr>
-            <p:ph type="dt" sz="half" idx="10"/>
-          </p:nvPr>
-        </p:nvSpPr>
-        <p:spPr/>
-        <p:txBody>
-          <a:bodyPr/>
-          <a:lstStyle/>
-          <a:p>
-            <a:fld id="{DEC8F6E9-8B93-4AFB-A97F-CD8D0E606F2A}" type="datetimeFigureOut">
-              <a:rPr lang="zh-CN" altLang="en-US" smtClean="0"/>
-              <a:t>2022/7/9</a:t>
-            </a:fld>
-            <a:endParaRPr lang="zh-CN" altLang="en-US"/>
-          </a:p>
-        </p:txBody>
-      </p:sp>
-      <p:sp>
-        <p:nvSpPr>
-          <p:cNvPr id="5" name="Footer Placeholder 4"/>
-          <p:cNvSpPr>
-            <a:spLocks noGrp="1"/>
-          </p:cNvSpPr>
-          <p:nvPr>
-            <p:ph type="ftr" sz="quarter" idx="11"/>
-          </p:nvPr>
-        </p:nvSpPr>
-        <p:spPr/>
-        <p:txBody>
-          <a:bodyPr/>
-          <a:lstStyle/>
-          <a:p>
-            <a:endParaRPr lang="zh-CN" altLang="en-US"/>
-          </a:p>
-        </p:txBody>
-      </p:sp>
-      <p:sp>
-        <p:nvSpPr>
-          <p:cNvPr id="6" name="Slide Number Placeholder 5"/>
-          <p:cNvSpPr>
-            <a:spLocks noGrp="1"/>
-          </p:cNvSpPr>
-          <p:nvPr>
-            <p:ph type="sldNum" sz="quarter" idx="12"/>
-          </p:nvPr>
-        </p:nvSpPr>
-        <p:spPr/>
-        <p:txBody>
-          <a:bodyPr/>
-          <a:lstStyle/>
-          <a:p>
-            <a:fld id="{971F108E-2C3F-4B0D-9D52-DD816E650405}" type="slidenum">
-              <a:rPr lang="zh-CN" altLang="en-US" smtClean="0"/>
-              <a:t>‹#›</a:t>
-            </a:fld>
-            <a:endParaRPr lang="zh-CN" altLang="en-US"/>
-          </a:p>
-        </p:txBody>
-      </p:sp>
-    </p:spTree>
-    <p:extLst>
-      <p:ext uri="{BB962C8B-B14F-4D97-AF65-F5344CB8AC3E}">
-        <p14:creationId xmlns:p14="http://schemas.microsoft.com/office/powerpoint/2010/main" val="2803095854"/>
-      </p:ext>
-    </p:extLst>
-  </p:cSld>
-  <p:clrMapOvr>
-    <a:masterClrMapping/>
-  </p:clrMapOvr>
-</p:sldLayout>
-</file>
-
-<file path=ppt/slideLayouts/slideLayout12.xml><?xml version="1.0" encoding="utf-8"?>
-<p:sldLayout xmlns:a="http://schemas.openxmlformats.org/drawingml/2006/main" xmlns:r="http://schemas.openxmlformats.org/officeDocument/2006/relationships" xmlns:p="http://schemas.openxmlformats.org/presentationml/2006/main" preserve="1">
-  <p:cSld name="带描述的引言">
-    <p:spTree>
-      <p:nvGrpSpPr>
-        <p:cNvPr id="1" name=""/>
-        <p:cNvGrpSpPr/>
-        <p:nvPr/>
-      </p:nvGrpSpPr>
-      <p:grpSpPr>
-        <a:xfrm>
-          <a:off x="0" y="0"/>
-          <a:ext cx="0" cy="0"/>
-          <a:chOff x="0" y="0"/>
-          <a:chExt cx="0" cy="0"/>
-        </a:xfrm>
-      </p:grpSpPr>
-      <p:sp>
-        <p:nvSpPr>
-          <p:cNvPr id="2" name="Title 1"/>
-          <p:cNvSpPr>
-            <a:spLocks noGrp="1"/>
-          </p:cNvSpPr>
-          <p:nvPr>
-            <p:ph type="title"/>
-          </p:nvPr>
-        </p:nvSpPr>
-        <p:spPr>
-          <a:xfrm>
-            <a:off x="1141411" y="685800"/>
-            <a:ext cx="9144001" cy="2743200"/>
-          </a:xfrm>
-        </p:spPr>
-        <p:txBody>
-          <a:bodyPr anchor="ctr">
-            <a:normAutofit/>
-          </a:bodyPr>
-          <a:lstStyle>
-            <a:lvl1pPr algn="l">
-              <a:defRPr sz="3200" b="0" cap="all">
-                <a:solidFill>
-                  <a:schemeClr val="tx1"/>
-                </a:solidFill>
-              </a:defRPr>
-            </a:lvl1pPr>
-          </a:lstStyle>
-          <a:p>
-            <a:r>
-              <a:rPr lang="zh-CN" altLang="en-US"/>
-              <a:t>单击此处编辑母版标题样式</a:t>
-            </a:r>
-            <a:endParaRPr lang="en-US" dirty="0"/>
-          </a:p>
-        </p:txBody>
-      </p:sp>
-      <p:sp>
-        <p:nvSpPr>
-          <p:cNvPr id="10" name="Text Placeholder 9"/>
-          <p:cNvSpPr>
-            <a:spLocks noGrp="1"/>
-          </p:cNvSpPr>
-          <p:nvPr>
-            <p:ph type="body" sz="quarter" idx="13"/>
-          </p:nvPr>
-        </p:nvSpPr>
-        <p:spPr>
-          <a:xfrm>
-            <a:off x="1446212" y="3429000"/>
-            <a:ext cx="8534400" cy="381000"/>
-          </a:xfrm>
-        </p:spPr>
-        <p:txBody>
-          <a:bodyPr anchor="ctr"/>
-          <a:lstStyle>
-            <a:lvl1pPr marL="0" indent="0">
-              <a:buFontTx/>
-              <a:buNone/>
-              <a:defRPr/>
-            </a:lvl1pPr>
-            <a:lvl2pPr marL="457200" indent="0">
-              <a:buFontTx/>
-              <a:buNone/>
-              <a:defRPr/>
-            </a:lvl2pPr>
-            <a:lvl3pPr marL="914400" indent="0">
-              <a:buFontTx/>
-              <a:buNone/>
-              <a:defRPr/>
-            </a:lvl3pPr>
-            <a:lvl4pPr marL="1371600" indent="0">
-              <a:buFontTx/>
-              <a:buNone/>
-              <a:defRPr/>
-            </a:lvl4pPr>
-            <a:lvl5pPr marL="1828800" indent="0">
-              <a:buFontTx/>
-              <a:buNone/>
-              <a:defRPr/>
-            </a:lvl5pPr>
-          </a:lstStyle>
-          <a:p>
-            <a:pPr lvl="0"/>
-            <a:r>
-              <a:rPr lang="zh-CN" altLang="en-US"/>
-              <a:t>单击此处编辑母版文本样式</a:t>
-            </a:r>
-          </a:p>
-        </p:txBody>
-      </p:sp>
-      <p:sp>
-        <p:nvSpPr>
-          <p:cNvPr id="3" name="Text Placeholder 2"/>
-          <p:cNvSpPr>
-            <a:spLocks noGrp="1"/>
-          </p:cNvSpPr>
-          <p:nvPr>
-            <p:ph type="body" idx="1"/>
-          </p:nvPr>
-        </p:nvSpPr>
-        <p:spPr>
-          <a:xfrm>
-            <a:off x="684213" y="4301067"/>
-            <a:ext cx="8534400" cy="1684865"/>
-          </a:xfrm>
-        </p:spPr>
-        <p:txBody>
-          <a:bodyPr anchor="ctr">
-            <a:normAutofit/>
-          </a:bodyPr>
-          <a:lstStyle>
-            <a:lvl1pPr marL="0" indent="0" algn="l">
-              <a:buNone/>
-              <a:defRPr sz="2000">
-                <a:solidFill>
-                  <a:schemeClr val="bg2">
-                    <a:lumMod val="75000"/>
-                  </a:schemeClr>
-                </a:solidFill>
-              </a:defRPr>
-            </a:lvl1pPr>
-            <a:lvl2pPr marL="457200" indent="0">
-              <a:buNone/>
-              <a:defRPr sz="1800">
-                <a:solidFill>
-                  <a:schemeClr val="tx1">
-                    <a:tint val="75000"/>
-                  </a:schemeClr>
-                </a:solidFill>
-              </a:defRPr>
-            </a:lvl2pPr>
-            <a:lvl3pPr marL="914400" indent="0">
-              <a:buNone/>
-              <a:defRPr sz="1600">
-                <a:solidFill>
-                  <a:schemeClr val="tx1">
-                    <a:tint val="75000"/>
-                  </a:schemeClr>
-                </a:solidFill>
-              </a:defRPr>
-            </a:lvl3pPr>
-            <a:lvl4pPr marL="1371600" indent="0">
-              <a:buNone/>
-              <a:defRPr sz="1400">
-                <a:solidFill>
-                  <a:schemeClr val="tx1">
-                    <a:tint val="75000"/>
-                  </a:schemeClr>
-                </a:solidFill>
-              </a:defRPr>
-            </a:lvl4pPr>
-            <a:lvl5pPr marL="1828800" indent="0">
-              <a:buNone/>
-              <a:defRPr sz="1400">
-                <a:solidFill>
-                  <a:schemeClr val="tx1">
-                    <a:tint val="75000"/>
-                  </a:schemeClr>
-                </a:solidFill>
-              </a:defRPr>
-            </a:lvl5pPr>
-            <a:lvl6pPr marL="2286000" indent="0">
-              <a:buNone/>
-              <a:defRPr sz="1400">
-                <a:solidFill>
-                  <a:schemeClr val="tx1">
-                    <a:tint val="75000"/>
-                  </a:schemeClr>
-                </a:solidFill>
-              </a:defRPr>
-            </a:lvl6pPr>
-            <a:lvl7pPr marL="2743200" indent="0">
-              <a:buNone/>
-              <a:defRPr sz="1400">
-                <a:solidFill>
-                  <a:schemeClr val="tx1">
-                    <a:tint val="75000"/>
-                  </a:schemeClr>
-                </a:solidFill>
-              </a:defRPr>
-            </a:lvl7pPr>
-            <a:lvl8pPr marL="3200400" indent="0">
-              <a:buNone/>
-              <a:defRPr sz="1400">
-                <a:solidFill>
-                  <a:schemeClr val="tx1">
-                    <a:tint val="75000"/>
-                  </a:schemeClr>
-                </a:solidFill>
-              </a:defRPr>
-            </a:lvl8pPr>
-            <a:lvl9pPr marL="3657600" indent="0">
-              <a:buNone/>
-              <a:defRPr sz="1400">
-                <a:solidFill>
-                  <a:schemeClr val="tx1">
-                    <a:tint val="75000"/>
-                  </a:schemeClr>
-                </a:solidFill>
-              </a:defRPr>
-            </a:lvl9pPr>
-          </a:lstStyle>
-          <a:p>
-            <a:pPr lvl="0"/>
-            <a:r>
-              <a:rPr lang="zh-CN" altLang="en-US"/>
-              <a:t>单击此处编辑母版文本样式</a:t>
-            </a:r>
-          </a:p>
-        </p:txBody>
-      </p:sp>
-      <p:sp>
-        <p:nvSpPr>
-          <p:cNvPr id="4" name="Date Placeholder 3"/>
-          <p:cNvSpPr>
-            <a:spLocks noGrp="1"/>
-          </p:cNvSpPr>
-          <p:nvPr>
-            <p:ph type="dt" sz="half" idx="10"/>
-          </p:nvPr>
-        </p:nvSpPr>
-        <p:spPr/>
-        <p:txBody>
-          <a:bodyPr/>
-          <a:lstStyle/>
-          <a:p>
-            <a:fld id="{DEC8F6E9-8B93-4AFB-A97F-CD8D0E606F2A}" type="datetimeFigureOut">
-              <a:rPr lang="zh-CN" altLang="en-US" smtClean="0"/>
-              <a:t>2022/7/9</a:t>
-            </a:fld>
-            <a:endParaRPr lang="zh-CN" altLang="en-US"/>
-          </a:p>
-        </p:txBody>
-      </p:sp>
-      <p:sp>
-        <p:nvSpPr>
-          <p:cNvPr id="5" name="Footer Placeholder 4"/>
-          <p:cNvSpPr>
-            <a:spLocks noGrp="1"/>
-          </p:cNvSpPr>
-          <p:nvPr>
-            <p:ph type="ftr" sz="quarter" idx="11"/>
-          </p:nvPr>
-        </p:nvSpPr>
-        <p:spPr/>
-        <p:txBody>
-          <a:bodyPr/>
-          <a:lstStyle/>
-          <a:p>
-            <a:endParaRPr lang="zh-CN" altLang="en-US"/>
-          </a:p>
-        </p:txBody>
-      </p:sp>
-      <p:sp>
-        <p:nvSpPr>
-          <p:cNvPr id="6" name="Slide Number Placeholder 5"/>
-          <p:cNvSpPr>
-            <a:spLocks noGrp="1"/>
-          </p:cNvSpPr>
-          <p:nvPr>
-            <p:ph type="sldNum" sz="quarter" idx="12"/>
-          </p:nvPr>
-        </p:nvSpPr>
-        <p:spPr/>
-        <p:txBody>
-          <a:bodyPr/>
-          <a:lstStyle/>
-          <a:p>
-            <a:fld id="{971F108E-2C3F-4B0D-9D52-DD816E650405}" type="slidenum">
-              <a:rPr lang="zh-CN" altLang="en-US" smtClean="0"/>
-              <a:t>‹#›</a:t>
-            </a:fld>
-            <a:endParaRPr lang="zh-CN" altLang="en-US"/>
-          </a:p>
-        </p:txBody>
-      </p:sp>
-      <p:sp>
-        <p:nvSpPr>
-          <p:cNvPr id="14" name="TextBox 13"/>
-          <p:cNvSpPr txBox="1"/>
-          <p:nvPr/>
-        </p:nvSpPr>
-        <p:spPr>
-          <a:xfrm>
-            <a:off x="531812" y="812222"/>
-            <a:ext cx="609600" cy="584776"/>
-          </a:xfrm>
-          <a:prstGeom prst="rect">
-            <a:avLst/>
-          </a:prstGeom>
-        </p:spPr>
-        <p:txBody>
-          <a:bodyPr vert="horz" lIns="91440" tIns="45720" rIns="91440" bIns="45720" rtlCol="0" anchor="ctr">
-            <a:noAutofit/>
-          </a:bodyPr>
-          <a:lstStyle/>
-          <a:p>
-            <a:pPr lvl="0"/>
-            <a:r>
-              <a:rPr lang="en-US" sz="8000" dirty="0">
-                <a:solidFill>
-                  <a:schemeClr val="tx1"/>
-                </a:solidFill>
-                <a:effectLst/>
-              </a:rPr>
-              <a:t>“</a:t>
-            </a:r>
-          </a:p>
-        </p:txBody>
-      </p:sp>
-      <p:sp>
-        <p:nvSpPr>
-          <p:cNvPr id="15" name="TextBox 14"/>
-          <p:cNvSpPr txBox="1"/>
-          <p:nvPr/>
-        </p:nvSpPr>
-        <p:spPr>
-          <a:xfrm>
-            <a:off x="10285412" y="2768601"/>
-            <a:ext cx="609600" cy="584776"/>
-          </a:xfrm>
-          <a:prstGeom prst="rect">
-            <a:avLst/>
-          </a:prstGeom>
-        </p:spPr>
-        <p:txBody>
-          <a:bodyPr vert="horz" lIns="91440" tIns="45720" rIns="91440" bIns="45720" rtlCol="0" anchor="ctr">
-            <a:noAutofit/>
-          </a:bodyPr>
-          <a:lstStyle/>
-          <a:p>
-            <a:pPr lvl="0" algn="r"/>
-            <a:r>
-              <a:rPr lang="en-US" sz="8000" dirty="0">
-                <a:solidFill>
-                  <a:schemeClr val="tx1"/>
-                </a:solidFill>
-                <a:effectLst/>
-              </a:rPr>
-              <a:t>”</a:t>
-            </a:r>
-          </a:p>
-        </p:txBody>
-      </p:sp>
-    </p:spTree>
-    <p:extLst>
-      <p:ext uri="{BB962C8B-B14F-4D97-AF65-F5344CB8AC3E}">
-        <p14:creationId xmlns:p14="http://schemas.microsoft.com/office/powerpoint/2010/main" val="288881078"/>
-      </p:ext>
-    </p:extLst>
-  </p:cSld>
-  <p:clrMapOvr>
-    <a:masterClrMapping/>
-  </p:clrMapOvr>
-</p:sldLayout>
-</file>
-
-<file path=ppt/slideLayouts/slideLayout13.xml><?xml version="1.0" encoding="utf-8"?>
-<p:sldLayout xmlns:a="http://schemas.openxmlformats.org/drawingml/2006/main" xmlns:r="http://schemas.openxmlformats.org/officeDocument/2006/relationships" xmlns:p="http://schemas.openxmlformats.org/presentationml/2006/main" preserve="1">
-  <p:cSld name="名片">
-    <p:spTree>
-      <p:nvGrpSpPr>
-        <p:cNvPr id="1" name=""/>
-        <p:cNvGrpSpPr/>
-        <p:nvPr/>
-      </p:nvGrpSpPr>
-      <p:grpSpPr>
-        <a:xfrm>
-          <a:off x="0" y="0"/>
-          <a:ext cx="0" cy="0"/>
-          <a:chOff x="0" y="0"/>
-          <a:chExt cx="0" cy="0"/>
-        </a:xfrm>
-      </p:grpSpPr>
-      <p:sp>
-        <p:nvSpPr>
-          <p:cNvPr id="2" name="Title 1"/>
-          <p:cNvSpPr>
-            <a:spLocks noGrp="1"/>
-          </p:cNvSpPr>
-          <p:nvPr>
-            <p:ph type="title"/>
-          </p:nvPr>
-        </p:nvSpPr>
-        <p:spPr>
-          <a:xfrm>
-            <a:off x="684212" y="3429000"/>
-            <a:ext cx="8534400" cy="1697400"/>
-          </a:xfrm>
-        </p:spPr>
-        <p:txBody>
-          <a:bodyPr anchor="b">
-            <a:normAutofit/>
-          </a:bodyPr>
-          <a:lstStyle>
-            <a:lvl1pPr algn="l">
-              <a:defRPr sz="3200" b="0" cap="all"/>
-            </a:lvl1pPr>
-          </a:lstStyle>
-          <a:p>
-            <a:r>
-              <a:rPr lang="zh-CN" altLang="en-US"/>
-              <a:t>单击此处编辑母版标题样式</a:t>
-            </a:r>
-            <a:endParaRPr lang="en-US" dirty="0"/>
-          </a:p>
-        </p:txBody>
-      </p:sp>
-      <p:sp>
-        <p:nvSpPr>
-          <p:cNvPr id="3" name="Text Placeholder 2"/>
-          <p:cNvSpPr>
-            <a:spLocks noGrp="1"/>
-          </p:cNvSpPr>
-          <p:nvPr>
-            <p:ph type="body" idx="1"/>
-          </p:nvPr>
-        </p:nvSpPr>
-        <p:spPr>
-          <a:xfrm>
-            <a:off x="684211" y="5132981"/>
-            <a:ext cx="8535990" cy="860400"/>
-          </a:xfrm>
-        </p:spPr>
-        <p:txBody>
-          <a:bodyPr anchor="t">
-            <a:normAutofit/>
-          </a:bodyPr>
-          <a:lstStyle>
-            <a:lvl1pPr marL="0" indent="0" algn="l">
-              <a:buNone/>
-              <a:defRPr sz="2000">
-                <a:solidFill>
-                  <a:schemeClr val="bg2">
-                    <a:lumMod val="75000"/>
-                  </a:schemeClr>
-                </a:solidFill>
-              </a:defRPr>
-            </a:lvl1pPr>
-            <a:lvl2pPr marL="457200" indent="0">
-              <a:buNone/>
-              <a:defRPr sz="1800">
-                <a:solidFill>
-                  <a:schemeClr val="tx1">
-                    <a:tint val="75000"/>
-                  </a:schemeClr>
-                </a:solidFill>
-              </a:defRPr>
-            </a:lvl2pPr>
-            <a:lvl3pPr marL="914400" indent="0">
-              <a:buNone/>
-              <a:defRPr sz="1600">
-                <a:solidFill>
-                  <a:schemeClr val="tx1">
-                    <a:tint val="75000"/>
-                  </a:schemeClr>
-                </a:solidFill>
-              </a:defRPr>
-            </a:lvl3pPr>
-            <a:lvl4pPr marL="1371600" indent="0">
-              <a:buNone/>
-              <a:defRPr sz="1400">
-                <a:solidFill>
-                  <a:schemeClr val="tx1">
-                    <a:tint val="75000"/>
-                  </a:schemeClr>
-                </a:solidFill>
-              </a:defRPr>
-            </a:lvl4pPr>
-            <a:lvl5pPr marL="1828800" indent="0">
-              <a:buNone/>
-              <a:defRPr sz="1400">
-                <a:solidFill>
-                  <a:schemeClr val="tx1">
-                    <a:tint val="75000"/>
-                  </a:schemeClr>
-                </a:solidFill>
-              </a:defRPr>
-            </a:lvl5pPr>
-            <a:lvl6pPr marL="2286000" indent="0">
-              <a:buNone/>
-              <a:defRPr sz="1400">
-                <a:solidFill>
-                  <a:schemeClr val="tx1">
-                    <a:tint val="75000"/>
-                  </a:schemeClr>
-                </a:solidFill>
-              </a:defRPr>
-            </a:lvl6pPr>
-            <a:lvl7pPr marL="2743200" indent="0">
-              <a:buNone/>
-              <a:defRPr sz="1400">
-                <a:solidFill>
-                  <a:schemeClr val="tx1">
-                    <a:tint val="75000"/>
-                  </a:schemeClr>
-                </a:solidFill>
-              </a:defRPr>
-            </a:lvl7pPr>
-            <a:lvl8pPr marL="3200400" indent="0">
-              <a:buNone/>
-              <a:defRPr sz="1400">
-                <a:solidFill>
-                  <a:schemeClr val="tx1">
-                    <a:tint val="75000"/>
-                  </a:schemeClr>
-                </a:solidFill>
-              </a:defRPr>
-            </a:lvl8pPr>
-            <a:lvl9pPr marL="3657600" indent="0">
-              <a:buNone/>
-              <a:defRPr sz="1400">
-                <a:solidFill>
-                  <a:schemeClr val="tx1">
-                    <a:tint val="75000"/>
-                  </a:schemeClr>
-                </a:solidFill>
-              </a:defRPr>
-            </a:lvl9pPr>
-          </a:lstStyle>
-          <a:p>
-            <a:pPr lvl="0"/>
-            <a:r>
-              <a:rPr lang="zh-CN" altLang="en-US"/>
-              <a:t>单击此处编辑母版文本样式</a:t>
-            </a:r>
-          </a:p>
-        </p:txBody>
-      </p:sp>
-      <p:sp>
-        <p:nvSpPr>
-          <p:cNvPr id="4" name="Date Placeholder 3"/>
-          <p:cNvSpPr>
-            <a:spLocks noGrp="1"/>
-          </p:cNvSpPr>
-          <p:nvPr>
-            <p:ph type="dt" sz="half" idx="10"/>
-          </p:nvPr>
-        </p:nvSpPr>
-        <p:spPr/>
-        <p:txBody>
-          <a:bodyPr/>
-          <a:lstStyle/>
-          <a:p>
-            <a:fld id="{DEC8F6E9-8B93-4AFB-A97F-CD8D0E606F2A}" type="datetimeFigureOut">
-              <a:rPr lang="zh-CN" altLang="en-US" smtClean="0"/>
-              <a:t>2022/7/9</a:t>
-            </a:fld>
-            <a:endParaRPr lang="zh-CN" altLang="en-US"/>
-          </a:p>
-        </p:txBody>
-      </p:sp>
-      <p:sp>
-        <p:nvSpPr>
-          <p:cNvPr id="5" name="Footer Placeholder 4"/>
-          <p:cNvSpPr>
-            <a:spLocks noGrp="1"/>
-          </p:cNvSpPr>
-          <p:nvPr>
-            <p:ph type="ftr" sz="quarter" idx="11"/>
-          </p:nvPr>
-        </p:nvSpPr>
-        <p:spPr/>
-        <p:txBody>
-          <a:bodyPr/>
-          <a:lstStyle/>
-          <a:p>
-            <a:endParaRPr lang="zh-CN" altLang="en-US"/>
-          </a:p>
-        </p:txBody>
-      </p:sp>
-      <p:sp>
-        <p:nvSpPr>
-          <p:cNvPr id="6" name="Slide Number Placeholder 5"/>
-          <p:cNvSpPr>
-            <a:spLocks noGrp="1"/>
-          </p:cNvSpPr>
-          <p:nvPr>
-            <p:ph type="sldNum" sz="quarter" idx="12"/>
-          </p:nvPr>
-        </p:nvSpPr>
-        <p:spPr/>
-        <p:txBody>
-          <a:bodyPr/>
-          <a:lstStyle/>
-          <a:p>
-            <a:fld id="{971F108E-2C3F-4B0D-9D52-DD816E650405}" type="slidenum">
-              <a:rPr lang="zh-CN" altLang="en-US" smtClean="0"/>
-              <a:t>‹#›</a:t>
-            </a:fld>
-            <a:endParaRPr lang="zh-CN" altLang="en-US"/>
-          </a:p>
-        </p:txBody>
-      </p:sp>
-    </p:spTree>
-    <p:extLst>
-      <p:ext uri="{BB962C8B-B14F-4D97-AF65-F5344CB8AC3E}">
-        <p14:creationId xmlns:p14="http://schemas.microsoft.com/office/powerpoint/2010/main" val="3777982413"/>
-      </p:ext>
-    </p:extLst>
-  </p:cSld>
-  <p:clrMapOvr>
-    <a:masterClrMapping/>
-  </p:clrMapOvr>
-</p:sldLayout>
-</file>
-
-<file path=ppt/slideLayouts/slideLayout14.xml><?xml version="1.0" encoding="utf-8"?>
-<p:sldLayout xmlns:a="http://schemas.openxmlformats.org/drawingml/2006/main" xmlns:r="http://schemas.openxmlformats.org/officeDocument/2006/relationships" xmlns:p="http://schemas.openxmlformats.org/presentationml/2006/main" preserve="1">
-  <p:cSld name="引言名片">
-    <p:spTree>
-      <p:nvGrpSpPr>
-        <p:cNvPr id="1" name=""/>
-        <p:cNvGrpSpPr/>
-        <p:nvPr/>
-      </p:nvGrpSpPr>
-      <p:grpSpPr>
-        <a:xfrm>
-          <a:off x="0" y="0"/>
-          <a:ext cx="0" cy="0"/>
-          <a:chOff x="0" y="0"/>
-          <a:chExt cx="0" cy="0"/>
-        </a:xfrm>
-      </p:grpSpPr>
-      <p:sp>
-        <p:nvSpPr>
-          <p:cNvPr id="2" name="Title 1"/>
-          <p:cNvSpPr>
-            <a:spLocks noGrp="1"/>
-          </p:cNvSpPr>
-          <p:nvPr>
-            <p:ph type="title"/>
-          </p:nvPr>
-        </p:nvSpPr>
-        <p:spPr>
-          <a:xfrm>
-            <a:off x="1141413" y="685800"/>
-            <a:ext cx="9144000" cy="2743200"/>
-          </a:xfrm>
-        </p:spPr>
-        <p:txBody>
-          <a:bodyPr anchor="ctr">
-            <a:normAutofit/>
-          </a:bodyPr>
-          <a:lstStyle>
-            <a:lvl1pPr algn="l">
-              <a:defRPr sz="3200" b="0" cap="all">
-                <a:solidFill>
-                  <a:schemeClr val="tx1"/>
-                </a:solidFill>
-              </a:defRPr>
-            </a:lvl1pPr>
-          </a:lstStyle>
-          <a:p>
-            <a:r>
-              <a:rPr lang="zh-CN" altLang="en-US"/>
-              <a:t>单击此处编辑母版标题样式</a:t>
-            </a:r>
-            <a:endParaRPr lang="en-US" dirty="0"/>
-          </a:p>
-        </p:txBody>
-      </p:sp>
-      <p:sp>
-        <p:nvSpPr>
-          <p:cNvPr id="10" name="Text Placeholder 9"/>
-          <p:cNvSpPr>
-            <a:spLocks noGrp="1"/>
-          </p:cNvSpPr>
-          <p:nvPr>
-            <p:ph type="body" sz="quarter" idx="13"/>
-          </p:nvPr>
-        </p:nvSpPr>
-        <p:spPr>
-          <a:xfrm>
-            <a:off x="684212" y="3928534"/>
-            <a:ext cx="8534401" cy="1049866"/>
-          </a:xfrm>
-        </p:spPr>
-        <p:txBody>
-          <a:bodyPr vert="horz" lIns="91440" tIns="45720" rIns="91440" bIns="45720" rtlCol="0" anchor="b">
-            <a:normAutofit/>
-          </a:bodyPr>
-          <a:lstStyle>
-            <a:lvl1pPr>
-              <a:buNone/>
-              <a:defRPr lang="en-US" sz="2400" b="0" cap="all" dirty="0">
-                <a:ln w="3175" cmpd="sng">
-                  <a:noFill/>
-                </a:ln>
-                <a:solidFill>
-                  <a:schemeClr val="tx1"/>
-                </a:solidFill>
-                <a:effectLst/>
-              </a:defRPr>
-            </a:lvl1pPr>
-          </a:lstStyle>
-          <a:p>
-            <a:pPr marL="0" lvl="0">
-              <a:spcBef>
-                <a:spcPct val="0"/>
-              </a:spcBef>
-              <a:buNone/>
-            </a:pPr>
-            <a:r>
-              <a:rPr lang="zh-CN" altLang="en-US"/>
-              <a:t>单击此处编辑母版文本样式</a:t>
-            </a:r>
-          </a:p>
-        </p:txBody>
-      </p:sp>
-      <p:sp>
-        <p:nvSpPr>
-          <p:cNvPr id="3" name="Text Placeholder 2"/>
-          <p:cNvSpPr>
-            <a:spLocks noGrp="1"/>
-          </p:cNvSpPr>
-          <p:nvPr>
-            <p:ph type="body" idx="1"/>
-          </p:nvPr>
-        </p:nvSpPr>
-        <p:spPr>
-          <a:xfrm>
-            <a:off x="684211" y="4978400"/>
-            <a:ext cx="8534401" cy="1016000"/>
-          </a:xfrm>
-        </p:spPr>
-        <p:txBody>
-          <a:bodyPr anchor="t">
-            <a:normAutofit/>
-          </a:bodyPr>
-          <a:lstStyle>
-            <a:lvl1pPr marL="0" indent="0" algn="l">
-              <a:buNone/>
-              <a:defRPr sz="1800">
-                <a:solidFill>
-                  <a:schemeClr val="bg2">
-                    <a:lumMod val="75000"/>
-                  </a:schemeClr>
-                </a:solidFill>
-              </a:defRPr>
-            </a:lvl1pPr>
-            <a:lvl2pPr marL="457200" indent="0">
-              <a:buNone/>
-              <a:defRPr sz="1800">
-                <a:solidFill>
-                  <a:schemeClr val="tx1">
-                    <a:tint val="75000"/>
-                  </a:schemeClr>
-                </a:solidFill>
-              </a:defRPr>
-            </a:lvl2pPr>
-            <a:lvl3pPr marL="914400" indent="0">
-              <a:buNone/>
-              <a:defRPr sz="1600">
-                <a:solidFill>
-                  <a:schemeClr val="tx1">
-                    <a:tint val="75000"/>
-                  </a:schemeClr>
-                </a:solidFill>
-              </a:defRPr>
-            </a:lvl3pPr>
-            <a:lvl4pPr marL="1371600" indent="0">
-              <a:buNone/>
-              <a:defRPr sz="1400">
-                <a:solidFill>
-                  <a:schemeClr val="tx1">
-                    <a:tint val="75000"/>
-                  </a:schemeClr>
-                </a:solidFill>
-              </a:defRPr>
-            </a:lvl4pPr>
-            <a:lvl5pPr marL="1828800" indent="0">
-              <a:buNone/>
-              <a:defRPr sz="1400">
-                <a:solidFill>
-                  <a:schemeClr val="tx1">
-                    <a:tint val="75000"/>
-                  </a:schemeClr>
-                </a:solidFill>
-              </a:defRPr>
-            </a:lvl5pPr>
-            <a:lvl6pPr marL="2286000" indent="0">
-              <a:buNone/>
-              <a:defRPr sz="1400">
-                <a:solidFill>
-                  <a:schemeClr val="tx1">
-                    <a:tint val="75000"/>
-                  </a:schemeClr>
-                </a:solidFill>
-              </a:defRPr>
-            </a:lvl6pPr>
-            <a:lvl7pPr marL="2743200" indent="0">
-              <a:buNone/>
-              <a:defRPr sz="1400">
-                <a:solidFill>
-                  <a:schemeClr val="tx1">
-                    <a:tint val="75000"/>
-                  </a:schemeClr>
-                </a:solidFill>
-              </a:defRPr>
-            </a:lvl7pPr>
-            <a:lvl8pPr marL="3200400" indent="0">
-              <a:buNone/>
-              <a:defRPr sz="1400">
-                <a:solidFill>
-                  <a:schemeClr val="tx1">
-                    <a:tint val="75000"/>
-                  </a:schemeClr>
-                </a:solidFill>
-              </a:defRPr>
-            </a:lvl8pPr>
-            <a:lvl9pPr marL="3657600" indent="0">
-              <a:buNone/>
-              <a:defRPr sz="1400">
-                <a:solidFill>
-                  <a:schemeClr val="tx1">
-                    <a:tint val="75000"/>
-                  </a:schemeClr>
-                </a:solidFill>
-              </a:defRPr>
-            </a:lvl9pPr>
-          </a:lstStyle>
-          <a:p>
-            <a:pPr lvl="0"/>
-            <a:r>
-              <a:rPr lang="zh-CN" altLang="en-US"/>
-              <a:t>单击此处编辑母版文本样式</a:t>
-            </a:r>
-          </a:p>
-        </p:txBody>
-      </p:sp>
-      <p:sp>
-        <p:nvSpPr>
-          <p:cNvPr id="4" name="Date Placeholder 3"/>
-          <p:cNvSpPr>
-            <a:spLocks noGrp="1"/>
-          </p:cNvSpPr>
-          <p:nvPr>
-            <p:ph type="dt" sz="half" idx="10"/>
-          </p:nvPr>
-        </p:nvSpPr>
-        <p:spPr/>
-        <p:txBody>
-          <a:bodyPr/>
-          <a:lstStyle/>
-          <a:p>
-            <a:fld id="{DEC8F6E9-8B93-4AFB-A97F-CD8D0E606F2A}" type="datetimeFigureOut">
-              <a:rPr lang="zh-CN" altLang="en-US" smtClean="0"/>
-              <a:t>2022/7/9</a:t>
-            </a:fld>
-            <a:endParaRPr lang="zh-CN" altLang="en-US"/>
-          </a:p>
-        </p:txBody>
-      </p:sp>
-      <p:sp>
-        <p:nvSpPr>
-          <p:cNvPr id="5" name="Footer Placeholder 4"/>
-          <p:cNvSpPr>
-            <a:spLocks noGrp="1"/>
-          </p:cNvSpPr>
-          <p:nvPr>
-            <p:ph type="ftr" sz="quarter" idx="11"/>
-          </p:nvPr>
-        </p:nvSpPr>
-        <p:spPr/>
-        <p:txBody>
-          <a:bodyPr/>
-          <a:lstStyle/>
-          <a:p>
-            <a:endParaRPr lang="zh-CN" altLang="en-US"/>
-          </a:p>
-        </p:txBody>
-      </p:sp>
-      <p:sp>
-        <p:nvSpPr>
-          <p:cNvPr id="6" name="Slide Number Placeholder 5"/>
-          <p:cNvSpPr>
-            <a:spLocks noGrp="1"/>
-          </p:cNvSpPr>
-          <p:nvPr>
-            <p:ph type="sldNum" sz="quarter" idx="12"/>
-          </p:nvPr>
-        </p:nvSpPr>
-        <p:spPr/>
-        <p:txBody>
-          <a:bodyPr/>
-          <a:lstStyle/>
-          <a:p>
-            <a:fld id="{971F108E-2C3F-4B0D-9D52-DD816E650405}" type="slidenum">
-              <a:rPr lang="zh-CN" altLang="en-US" smtClean="0"/>
-              <a:t>‹#›</a:t>
-            </a:fld>
-            <a:endParaRPr lang="zh-CN" altLang="en-US"/>
-          </a:p>
-        </p:txBody>
-      </p:sp>
-      <p:sp>
-        <p:nvSpPr>
-          <p:cNvPr id="11" name="TextBox 10"/>
-          <p:cNvSpPr txBox="1"/>
-          <p:nvPr/>
-        </p:nvSpPr>
-        <p:spPr>
-          <a:xfrm>
-            <a:off x="531812" y="812222"/>
-            <a:ext cx="609600" cy="584776"/>
-          </a:xfrm>
-          <a:prstGeom prst="rect">
-            <a:avLst/>
-          </a:prstGeom>
-        </p:spPr>
-        <p:txBody>
-          <a:bodyPr vert="horz" lIns="91440" tIns="45720" rIns="91440" bIns="45720" rtlCol="0" anchor="ctr">
-            <a:noAutofit/>
-          </a:bodyPr>
-          <a:lstStyle/>
-          <a:p>
-            <a:pPr lvl="0"/>
-            <a:r>
-              <a:rPr lang="en-US" sz="8000" dirty="0">
-                <a:solidFill>
-                  <a:schemeClr val="tx1"/>
-                </a:solidFill>
-                <a:effectLst/>
-              </a:rPr>
-              <a:t>“</a:t>
-            </a:r>
-          </a:p>
-        </p:txBody>
-      </p:sp>
-      <p:sp>
-        <p:nvSpPr>
-          <p:cNvPr id="12" name="TextBox 11"/>
-          <p:cNvSpPr txBox="1"/>
-          <p:nvPr/>
-        </p:nvSpPr>
-        <p:spPr>
-          <a:xfrm>
-            <a:off x="10285412" y="2768601"/>
-            <a:ext cx="609600" cy="584776"/>
-          </a:xfrm>
-          <a:prstGeom prst="rect">
-            <a:avLst/>
-          </a:prstGeom>
-        </p:spPr>
-        <p:txBody>
-          <a:bodyPr vert="horz" lIns="91440" tIns="45720" rIns="91440" bIns="45720" rtlCol="0" anchor="ctr">
-            <a:noAutofit/>
-          </a:bodyPr>
-          <a:lstStyle/>
-          <a:p>
-            <a:pPr lvl="0" algn="r"/>
-            <a:r>
-              <a:rPr lang="en-US" sz="8000" dirty="0">
-                <a:solidFill>
-                  <a:schemeClr val="tx1"/>
-                </a:solidFill>
-                <a:effectLst/>
-              </a:rPr>
-              <a:t>”</a:t>
-            </a:r>
-          </a:p>
-        </p:txBody>
-      </p:sp>
-    </p:spTree>
-    <p:extLst>
-      <p:ext uri="{BB962C8B-B14F-4D97-AF65-F5344CB8AC3E}">
-        <p14:creationId xmlns:p14="http://schemas.microsoft.com/office/powerpoint/2010/main" val="258600646"/>
-      </p:ext>
-    </p:extLst>
-  </p:cSld>
-  <p:clrMapOvr>
-    <a:masterClrMapping/>
-  </p:clrMapOvr>
-</p:sldLayout>
-</file>
-
-<file path=ppt/slideLayouts/slideLayout15.xml><?xml version="1.0" encoding="utf-8"?>
-<p:sldLayout xmlns:a="http://schemas.openxmlformats.org/drawingml/2006/main" xmlns:r="http://schemas.openxmlformats.org/officeDocument/2006/relationships" xmlns:p="http://schemas.openxmlformats.org/presentationml/2006/main" preserve="1">
-  <p:cSld name="真或假">
-    <p:spTree>
-      <p:nvGrpSpPr>
-        <p:cNvPr id="1" name=""/>
-        <p:cNvGrpSpPr/>
-        <p:nvPr/>
-      </p:nvGrpSpPr>
-      <p:grpSpPr>
-        <a:xfrm>
-          <a:off x="0" y="0"/>
-          <a:ext cx="0" cy="0"/>
-          <a:chOff x="0" y="0"/>
-          <a:chExt cx="0" cy="0"/>
-        </a:xfrm>
-      </p:grpSpPr>
-      <p:sp>
-        <p:nvSpPr>
-          <p:cNvPr id="2" name="Title 1"/>
-          <p:cNvSpPr>
-            <a:spLocks noGrp="1"/>
-          </p:cNvSpPr>
-          <p:nvPr>
-            <p:ph type="title"/>
-          </p:nvPr>
-        </p:nvSpPr>
-        <p:spPr>
-          <a:xfrm>
-            <a:off x="684213" y="685800"/>
-            <a:ext cx="10058400" cy="2743200"/>
-          </a:xfrm>
-        </p:spPr>
-        <p:txBody>
-          <a:bodyPr vert="horz" lIns="91440" tIns="45720" rIns="91440" bIns="45720" rtlCol="0" anchor="ctr">
-            <a:normAutofit/>
-          </a:bodyPr>
-          <a:lstStyle>
-            <a:lvl1pPr>
-              <a:defRPr lang="en-US" b="0" dirty="0"/>
-            </a:lvl1pPr>
-          </a:lstStyle>
-          <a:p>
-            <a:pPr marL="0" lvl="0"/>
-            <a:r>
-              <a:rPr lang="zh-CN" altLang="en-US"/>
-              <a:t>单击此处编辑母版标题样式</a:t>
-            </a:r>
-            <a:endParaRPr lang="en-US" dirty="0"/>
-          </a:p>
-        </p:txBody>
-      </p:sp>
-      <p:sp>
-        <p:nvSpPr>
-          <p:cNvPr id="10" name="Text Placeholder 9"/>
-          <p:cNvSpPr>
-            <a:spLocks noGrp="1"/>
-          </p:cNvSpPr>
-          <p:nvPr>
-            <p:ph type="body" sz="quarter" idx="13"/>
-          </p:nvPr>
-        </p:nvSpPr>
-        <p:spPr>
-          <a:xfrm>
-            <a:off x="684212" y="3928534"/>
-            <a:ext cx="8534400" cy="838200"/>
-          </a:xfrm>
-        </p:spPr>
-        <p:txBody>
-          <a:bodyPr vert="horz" lIns="91440" tIns="45720" rIns="91440" bIns="45720" rtlCol="0" anchor="b">
-            <a:normAutofit/>
-          </a:bodyPr>
-          <a:lstStyle>
-            <a:lvl1pPr>
-              <a:buNone/>
-              <a:defRPr lang="en-US" sz="2400" b="0" cap="all" dirty="0">
-                <a:ln w="3175" cmpd="sng">
-                  <a:noFill/>
-                </a:ln>
-                <a:solidFill>
-                  <a:schemeClr val="tx1"/>
-                </a:solidFill>
-                <a:effectLst/>
-              </a:defRPr>
-            </a:lvl1pPr>
-          </a:lstStyle>
-          <a:p>
-            <a:pPr marL="0" lvl="0">
-              <a:spcBef>
-                <a:spcPct val="0"/>
-              </a:spcBef>
-              <a:buNone/>
-            </a:pPr>
-            <a:r>
-              <a:rPr lang="zh-CN" altLang="en-US"/>
-              <a:t>单击此处编辑母版文本样式</a:t>
-            </a:r>
-          </a:p>
-        </p:txBody>
-      </p:sp>
-      <p:sp>
-        <p:nvSpPr>
-          <p:cNvPr id="3" name="Text Placeholder 2"/>
-          <p:cNvSpPr>
-            <a:spLocks noGrp="1"/>
-          </p:cNvSpPr>
-          <p:nvPr>
-            <p:ph type="body" idx="1"/>
-          </p:nvPr>
-        </p:nvSpPr>
-        <p:spPr>
-          <a:xfrm>
-            <a:off x="684211" y="4766732"/>
-            <a:ext cx="8534401" cy="1227667"/>
-          </a:xfrm>
-        </p:spPr>
-        <p:txBody>
-          <a:bodyPr anchor="t">
-            <a:normAutofit/>
-          </a:bodyPr>
-          <a:lstStyle>
-            <a:lvl1pPr marL="0" indent="0" algn="l">
-              <a:buNone/>
-              <a:defRPr sz="1800">
-                <a:solidFill>
-                  <a:schemeClr val="bg2">
-                    <a:lumMod val="75000"/>
-                  </a:schemeClr>
-                </a:solidFill>
-              </a:defRPr>
-            </a:lvl1pPr>
-            <a:lvl2pPr marL="457200" indent="0">
-              <a:buNone/>
-              <a:defRPr sz="1800">
-                <a:solidFill>
-                  <a:schemeClr val="tx1">
-                    <a:tint val="75000"/>
-                  </a:schemeClr>
-                </a:solidFill>
-              </a:defRPr>
-            </a:lvl2pPr>
-            <a:lvl3pPr marL="914400" indent="0">
-              <a:buNone/>
-              <a:defRPr sz="1600">
-                <a:solidFill>
-                  <a:schemeClr val="tx1">
-                    <a:tint val="75000"/>
-                  </a:schemeClr>
-                </a:solidFill>
-              </a:defRPr>
-            </a:lvl3pPr>
-            <a:lvl4pPr marL="1371600" indent="0">
-              <a:buNone/>
-              <a:defRPr sz="1400">
-                <a:solidFill>
-                  <a:schemeClr val="tx1">
-                    <a:tint val="75000"/>
-                  </a:schemeClr>
-                </a:solidFill>
-              </a:defRPr>
-            </a:lvl4pPr>
-            <a:lvl5pPr marL="1828800" indent="0">
-              <a:buNone/>
-              <a:defRPr sz="1400">
-                <a:solidFill>
-                  <a:schemeClr val="tx1">
-                    <a:tint val="75000"/>
-                  </a:schemeClr>
-                </a:solidFill>
-              </a:defRPr>
-            </a:lvl5pPr>
-            <a:lvl6pPr marL="2286000" indent="0">
-              <a:buNone/>
-              <a:defRPr sz="1400">
-                <a:solidFill>
-                  <a:schemeClr val="tx1">
-                    <a:tint val="75000"/>
-                  </a:schemeClr>
-                </a:solidFill>
-              </a:defRPr>
-            </a:lvl6pPr>
-            <a:lvl7pPr marL="2743200" indent="0">
-              <a:buNone/>
-              <a:defRPr sz="1400">
-                <a:solidFill>
-                  <a:schemeClr val="tx1">
-                    <a:tint val="75000"/>
-                  </a:schemeClr>
-                </a:solidFill>
-              </a:defRPr>
-            </a:lvl7pPr>
-            <a:lvl8pPr marL="3200400" indent="0">
-              <a:buNone/>
-              <a:defRPr sz="1400">
-                <a:solidFill>
-                  <a:schemeClr val="tx1">
-                    <a:tint val="75000"/>
-                  </a:schemeClr>
-                </a:solidFill>
-              </a:defRPr>
-            </a:lvl8pPr>
-            <a:lvl9pPr marL="3657600" indent="0">
-              <a:buNone/>
-              <a:defRPr sz="1400">
-                <a:solidFill>
-                  <a:schemeClr val="tx1">
-                    <a:tint val="75000"/>
-                  </a:schemeClr>
-                </a:solidFill>
-              </a:defRPr>
-            </a:lvl9pPr>
-          </a:lstStyle>
-          <a:p>
-            <a:pPr lvl="0"/>
-            <a:r>
-              <a:rPr lang="zh-CN" altLang="en-US"/>
-              <a:t>单击此处编辑母版文本样式</a:t>
-            </a:r>
-          </a:p>
-        </p:txBody>
-      </p:sp>
-      <p:sp>
-        <p:nvSpPr>
-          <p:cNvPr id="4" name="Date Placeholder 3"/>
-          <p:cNvSpPr>
-            <a:spLocks noGrp="1"/>
-          </p:cNvSpPr>
-          <p:nvPr>
-            <p:ph type="dt" sz="half" idx="10"/>
-          </p:nvPr>
-        </p:nvSpPr>
-        <p:spPr/>
-        <p:txBody>
-          <a:bodyPr/>
-          <a:lstStyle/>
-          <a:p>
-            <a:fld id="{DEC8F6E9-8B93-4AFB-A97F-CD8D0E606F2A}" type="datetimeFigureOut">
-              <a:rPr lang="zh-CN" altLang="en-US" smtClean="0"/>
-              <a:t>2022/7/9</a:t>
-            </a:fld>
-            <a:endParaRPr lang="zh-CN" altLang="en-US"/>
-          </a:p>
-        </p:txBody>
-      </p:sp>
-      <p:sp>
-        <p:nvSpPr>
-          <p:cNvPr id="5" name="Footer Placeholder 4"/>
-          <p:cNvSpPr>
-            <a:spLocks noGrp="1"/>
-          </p:cNvSpPr>
-          <p:nvPr>
-            <p:ph type="ftr" sz="quarter" idx="11"/>
-          </p:nvPr>
-        </p:nvSpPr>
-        <p:spPr/>
-        <p:txBody>
-          <a:bodyPr/>
-          <a:lstStyle/>
-          <a:p>
-            <a:endParaRPr lang="zh-CN" altLang="en-US"/>
-          </a:p>
-        </p:txBody>
-      </p:sp>
-      <p:sp>
-        <p:nvSpPr>
-          <p:cNvPr id="6" name="Slide Number Placeholder 5"/>
-          <p:cNvSpPr>
-            <a:spLocks noGrp="1"/>
-          </p:cNvSpPr>
-          <p:nvPr>
-            <p:ph type="sldNum" sz="quarter" idx="12"/>
-          </p:nvPr>
-        </p:nvSpPr>
-        <p:spPr/>
-        <p:txBody>
-          <a:bodyPr/>
-          <a:lstStyle/>
-          <a:p>
-            <a:fld id="{971F108E-2C3F-4B0D-9D52-DD816E650405}" type="slidenum">
-              <a:rPr lang="zh-CN" altLang="en-US" smtClean="0"/>
-              <a:t>‹#›</a:t>
-            </a:fld>
-            <a:endParaRPr lang="zh-CN" altLang="en-US"/>
-          </a:p>
-        </p:txBody>
-      </p:sp>
-    </p:spTree>
-    <p:extLst>
-      <p:ext uri="{BB962C8B-B14F-4D97-AF65-F5344CB8AC3E}">
-        <p14:creationId xmlns:p14="http://schemas.microsoft.com/office/powerpoint/2010/main" val="1033383001"/>
-      </p:ext>
-    </p:extLst>
-  </p:cSld>
-  <p:clrMapOvr>
-    <a:masterClrMapping/>
-  </p:clrMapOvr>
-</p:sldLayout>
-</file>
-
-<file path=ppt/slideLayouts/slideLayout16.xml><?xml version="1.0" encoding="utf-8"?>
 <p:sldLayout xmlns:a="http://schemas.openxmlformats.org/drawingml/2006/main" xmlns:r="http://schemas.openxmlformats.org/officeDocument/2006/relationships" xmlns:p="http://schemas.openxmlformats.org/presentationml/2006/main" type="vertTx" preserve="1">
   <p:cSld name="标题和竖排文字">
     <p:spTree>
@@ -2375,11 +388,7 @@
         <p:spPr/>
         <p:txBody>
           <a:bodyPr/>
-          <a:lstStyle>
-            <a:lvl1pPr algn="l">
-              <a:defRPr/>
-            </a:lvl1pPr>
-          </a:lstStyle>
+          <a:lstStyle/>
           <a:p>
             <a:r>
               <a:rPr lang="zh-CN" altLang="en-US"/>
@@ -2401,7 +410,7 @@
         </p:nvSpPr>
         <p:spPr/>
         <p:txBody>
-          <a:bodyPr vert="eaVert" anchor="t"/>
+          <a:bodyPr vert="eaVert"/>
           <a:lstStyle/>
           <a:p>
             <a:pPr lvl="0"/>
@@ -2458,7 +467,7 @@
           <a:p>
             <a:fld id="{DEC8F6E9-8B93-4AFB-A97F-CD8D0E606F2A}" type="datetimeFigureOut">
               <a:rPr lang="zh-CN" altLang="en-US" smtClean="0"/>
-              <a:t>2022/7/9</a:t>
+              <a:t>2022/7/11</a:t>
             </a:fld>
             <a:endParaRPr lang="zh-CN" altLang="en-US"/>
           </a:p>
@@ -2506,10 +515,41 @@
           </a:p>
         </p:txBody>
       </p:sp>
+      <p:cxnSp>
+        <p:nvCxnSpPr>
+          <p:cNvPr id="26" name="Straight Connector 25"/>
+          <p:cNvCxnSpPr/>
+          <p:nvPr/>
+        </p:nvCxnSpPr>
+        <p:spPr>
+          <a:xfrm>
+            <a:off x="1453896" y="1847088"/>
+            <a:ext cx="9607522" cy="0"/>
+          </a:xfrm>
+          <a:prstGeom prst="line">
+            <a:avLst/>
+          </a:prstGeom>
+          <a:ln w="31750"/>
+        </p:spPr>
+        <p:style>
+          <a:lnRef idx="3">
+            <a:schemeClr val="accent1"/>
+          </a:lnRef>
+          <a:fillRef idx="0">
+            <a:schemeClr val="accent1"/>
+          </a:fillRef>
+          <a:effectRef idx="2">
+            <a:schemeClr val="accent1"/>
+          </a:effectRef>
+          <a:fontRef idx="minor">
+            <a:schemeClr val="tx1"/>
+          </a:fontRef>
+        </p:style>
+      </p:cxnSp>
     </p:spTree>
     <p:extLst>
       <p:ext uri="{BB962C8B-B14F-4D97-AF65-F5344CB8AC3E}">
-        <p14:creationId xmlns:p14="http://schemas.microsoft.com/office/powerpoint/2010/main" val="2115886920"/>
+        <p14:creationId xmlns:p14="http://schemas.microsoft.com/office/powerpoint/2010/main" val="438399308"/>
       </p:ext>
     </p:extLst>
   </p:cSld>
@@ -2519,7 +559,7 @@
 </p:sldLayout>
 </file>
 
-<file path=ppt/slideLayouts/slideLayout17.xml><?xml version="1.0" encoding="utf-8"?>
+<file path=ppt/slideLayouts/slideLayout11.xml><?xml version="1.0" encoding="utf-8"?>
 <p:sldLayout xmlns:a="http://schemas.openxmlformats.org/drawingml/2006/main" xmlns:r="http://schemas.openxmlformats.org/officeDocument/2006/relationships" xmlns:p="http://schemas.openxmlformats.org/presentationml/2006/main" type="vertTitleAndTx" preserve="1">
   <p:cSld name="竖排标题与文本">
     <p:spTree>
@@ -2548,13 +588,17 @@
         </p:nvSpPr>
         <p:spPr>
           <a:xfrm>
-            <a:off x="8685212" y="685800"/>
-            <a:ext cx="2057400" cy="4572000"/>
+            <a:off x="9439111" y="798973"/>
+            <a:ext cx="1615742" cy="4659889"/>
           </a:xfrm>
         </p:spPr>
         <p:txBody>
           <a:bodyPr vert="eaVert"/>
-          <a:lstStyle/>
+          <a:lstStyle>
+            <a:lvl1pPr algn="l">
+              <a:defRPr/>
+            </a:lvl1pPr>
+          </a:lstStyle>
           <a:p>
             <a:r>
               <a:rPr lang="zh-CN" altLang="en-US"/>
@@ -2576,12 +620,12 @@
         </p:nvSpPr>
         <p:spPr>
           <a:xfrm>
-            <a:off x="685800" y="685800"/>
-            <a:ext cx="7823200" cy="5308600"/>
+            <a:off x="1444672" y="798973"/>
+            <a:ext cx="7828830" cy="4659889"/>
           </a:xfrm>
         </p:spPr>
         <p:txBody>
-          <a:bodyPr vert="eaVert" anchor="t"/>
+          <a:bodyPr vert="eaVert"/>
           <a:lstStyle/>
           <a:p>
             <a:pPr lvl="0"/>
@@ -2638,7 +682,7 @@
           <a:p>
             <a:fld id="{DEC8F6E9-8B93-4AFB-A97F-CD8D0E606F2A}" type="datetimeFigureOut">
               <a:rPr lang="zh-CN" altLang="en-US" smtClean="0"/>
-              <a:t>2022/7/9</a:t>
+              <a:t>2022/7/11</a:t>
             </a:fld>
             <a:endParaRPr lang="zh-CN" altLang="en-US"/>
           </a:p>
@@ -2686,10 +730,41 @@
           </a:p>
         </p:txBody>
       </p:sp>
+      <p:cxnSp>
+        <p:nvCxnSpPr>
+          <p:cNvPr id="15" name="Straight Connector 14"/>
+          <p:cNvCxnSpPr/>
+          <p:nvPr/>
+        </p:nvCxnSpPr>
+        <p:spPr>
+          <a:xfrm>
+            <a:off x="9439111" y="798973"/>
+            <a:ext cx="0" cy="4659889"/>
+          </a:xfrm>
+          <a:prstGeom prst="line">
+            <a:avLst/>
+          </a:prstGeom>
+          <a:ln w="31750"/>
+        </p:spPr>
+        <p:style>
+          <a:lnRef idx="3">
+            <a:schemeClr val="accent1"/>
+          </a:lnRef>
+          <a:fillRef idx="0">
+            <a:schemeClr val="accent1"/>
+          </a:fillRef>
+          <a:effectRef idx="2">
+            <a:schemeClr val="accent1"/>
+          </a:effectRef>
+          <a:fontRef idx="minor">
+            <a:schemeClr val="tx1"/>
+          </a:fontRef>
+        </p:style>
+      </p:cxnSp>
     </p:spTree>
     <p:extLst>
       <p:ext uri="{BB962C8B-B14F-4D97-AF65-F5344CB8AC3E}">
-        <p14:creationId xmlns:p14="http://schemas.microsoft.com/office/powerpoint/2010/main" val="837213612"/>
+        <p14:creationId xmlns:p14="http://schemas.microsoft.com/office/powerpoint/2010/main" val="2938911855"/>
       </p:ext>
     </p:extLst>
   </p:cSld>
@@ -2751,7 +826,7 @@
         </p:nvSpPr>
         <p:spPr/>
         <p:txBody>
-          <a:bodyPr anchor="ctr"/>
+          <a:bodyPr anchor="t"/>
           <a:lstStyle/>
           <a:p>
             <a:pPr lvl="0"/>
@@ -2808,7 +883,7 @@
           <a:p>
             <a:fld id="{DEC8F6E9-8B93-4AFB-A97F-CD8D0E606F2A}" type="datetimeFigureOut">
               <a:rPr lang="zh-CN" altLang="en-US" smtClean="0"/>
-              <a:t>2022/7/9</a:t>
+              <a:t>2022/7/11</a:t>
             </a:fld>
             <a:endParaRPr lang="zh-CN" altLang="en-US"/>
           </a:p>
@@ -2856,10 +931,41 @@
           </a:p>
         </p:txBody>
       </p:sp>
+      <p:cxnSp>
+        <p:nvCxnSpPr>
+          <p:cNvPr id="33" name="Straight Connector 32"/>
+          <p:cNvCxnSpPr/>
+          <p:nvPr/>
+        </p:nvCxnSpPr>
+        <p:spPr>
+          <a:xfrm>
+            <a:off x="1453896" y="1847088"/>
+            <a:ext cx="9607522" cy="0"/>
+          </a:xfrm>
+          <a:prstGeom prst="line">
+            <a:avLst/>
+          </a:prstGeom>
+          <a:ln w="31750"/>
+        </p:spPr>
+        <p:style>
+          <a:lnRef idx="3">
+            <a:schemeClr val="accent1"/>
+          </a:lnRef>
+          <a:fillRef idx="0">
+            <a:schemeClr val="accent1"/>
+          </a:fillRef>
+          <a:effectRef idx="2">
+            <a:schemeClr val="accent1"/>
+          </a:effectRef>
+          <a:fontRef idx="minor">
+            <a:schemeClr val="tx1"/>
+          </a:fontRef>
+        </p:style>
+      </p:cxnSp>
     </p:spTree>
     <p:extLst>
       <p:ext uri="{BB962C8B-B14F-4D97-AF65-F5344CB8AC3E}">
-        <p14:creationId xmlns:p14="http://schemas.microsoft.com/office/powerpoint/2010/main" val="2365908929"/>
+        <p14:creationId xmlns:p14="http://schemas.microsoft.com/office/powerpoint/2010/main" val="4074338338"/>
       </p:ext>
     </p:extLst>
   </p:cSld>
@@ -2898,8 +1004,8 @@
         </p:nvSpPr>
         <p:spPr>
           <a:xfrm>
-            <a:off x="684211" y="2006600"/>
-            <a:ext cx="8534401" cy="2281600"/>
+            <a:off x="1454239" y="1756130"/>
+            <a:ext cx="8643154" cy="1887950"/>
           </a:xfrm>
         </p:spPr>
         <p:txBody>
@@ -2908,7 +1014,7 @@
           </a:bodyPr>
           <a:lstStyle>
             <a:lvl1pPr algn="l">
-              <a:defRPr sz="3600" b="0" cap="all"/>
+              <a:defRPr sz="3600"/>
             </a:lvl1pPr>
           </a:lstStyle>
           <a:p>
@@ -2932,12 +1038,12 @@
         </p:nvSpPr>
         <p:spPr>
           <a:xfrm>
-            <a:off x="684213" y="4495800"/>
-            <a:ext cx="8534400" cy="1498600"/>
+            <a:off x="1454239" y="3806195"/>
+            <a:ext cx="8630446" cy="1012929"/>
           </a:xfrm>
         </p:spPr>
         <p:txBody>
-          <a:bodyPr anchor="t">
+          <a:bodyPr tIns="91440">
             <a:normAutofit/>
           </a:bodyPr>
           <a:lstStyle>
@@ -2945,9 +1051,7 @@
               <a:buNone/>
               <a:defRPr sz="1800">
                 <a:solidFill>
-                  <a:schemeClr val="bg2">
-                    <a:lumMod val="75000"/>
-                  </a:schemeClr>
+                  <a:schemeClr val="tx1"/>
                 </a:solidFill>
               </a:defRPr>
             </a:lvl1pPr>
@@ -2963,7 +1067,7 @@
             </a:lvl2pPr>
             <a:lvl3pPr marL="914400" indent="0">
               <a:buNone/>
-              <a:defRPr sz="1600">
+              <a:defRPr sz="1800">
                 <a:solidFill>
                   <a:schemeClr val="tx1">
                     <a:tint val="75000"/>
@@ -2973,7 +1077,7 @@
             </a:lvl3pPr>
             <a:lvl4pPr marL="1371600" indent="0">
               <a:buNone/>
-              <a:defRPr sz="1400">
+              <a:defRPr sz="1600">
                 <a:solidFill>
                   <a:schemeClr val="tx1">
                     <a:tint val="75000"/>
@@ -2983,7 +1087,7 @@
             </a:lvl4pPr>
             <a:lvl5pPr marL="1828800" indent="0">
               <a:buNone/>
-              <a:defRPr sz="1400">
+              <a:defRPr sz="1600">
                 <a:solidFill>
                   <a:schemeClr val="tx1">
                     <a:tint val="75000"/>
@@ -2993,7 +1097,7 @@
             </a:lvl5pPr>
             <a:lvl6pPr marL="2286000" indent="0">
               <a:buNone/>
-              <a:defRPr sz="1400">
+              <a:defRPr sz="1600">
                 <a:solidFill>
                   <a:schemeClr val="tx1">
                     <a:tint val="75000"/>
@@ -3003,7 +1107,7 @@
             </a:lvl6pPr>
             <a:lvl7pPr marL="2743200" indent="0">
               <a:buNone/>
-              <a:defRPr sz="1400">
+              <a:defRPr sz="1600">
                 <a:solidFill>
                   <a:schemeClr val="tx1">
                     <a:tint val="75000"/>
@@ -3013,7 +1117,7 @@
             </a:lvl7pPr>
             <a:lvl8pPr marL="3200400" indent="0">
               <a:buNone/>
-              <a:defRPr sz="1400">
+              <a:defRPr sz="1600">
                 <a:solidFill>
                   <a:schemeClr val="tx1">
                     <a:tint val="75000"/>
@@ -3023,7 +1127,7 @@
             </a:lvl8pPr>
             <a:lvl9pPr marL="3657600" indent="0">
               <a:buNone/>
-              <a:defRPr sz="1400">
+              <a:defRPr sz="1600">
                 <a:solidFill>
                   <a:schemeClr val="tx1">
                     <a:tint val="75000"/>
@@ -3058,7 +1162,7 @@
           <a:p>
             <a:fld id="{DEC8F6E9-8B93-4AFB-A97F-CD8D0E606F2A}" type="datetimeFigureOut">
               <a:rPr lang="zh-CN" altLang="en-US" smtClean="0"/>
-              <a:t>2022/7/9</a:t>
+              <a:t>2022/7/11</a:t>
             </a:fld>
             <a:endParaRPr lang="zh-CN" altLang="en-US"/>
           </a:p>
@@ -3106,10 +1210,41 @@
           </a:p>
         </p:txBody>
       </p:sp>
+      <p:cxnSp>
+        <p:nvCxnSpPr>
+          <p:cNvPr id="15" name="Straight Connector 14"/>
+          <p:cNvCxnSpPr/>
+          <p:nvPr/>
+        </p:nvCxnSpPr>
+        <p:spPr>
+          <a:xfrm>
+            <a:off x="1454239" y="3804985"/>
+            <a:ext cx="8630446" cy="0"/>
+          </a:xfrm>
+          <a:prstGeom prst="line">
+            <a:avLst/>
+          </a:prstGeom>
+          <a:ln w="31750"/>
+        </p:spPr>
+        <p:style>
+          <a:lnRef idx="3">
+            <a:schemeClr val="accent1"/>
+          </a:lnRef>
+          <a:fillRef idx="0">
+            <a:schemeClr val="accent1"/>
+          </a:fillRef>
+          <a:effectRef idx="2">
+            <a:schemeClr val="accent1"/>
+          </a:effectRef>
+          <a:fontRef idx="minor">
+            <a:schemeClr val="tx1"/>
+          </a:fontRef>
+        </p:style>
+      </p:cxnSp>
     </p:spTree>
     <p:extLst>
       <p:ext uri="{BB962C8B-B14F-4D97-AF65-F5344CB8AC3E}">
-        <p14:creationId xmlns:p14="http://schemas.microsoft.com/office/powerpoint/2010/main" val="2946333979"/>
+        <p14:creationId xmlns:p14="http://schemas.microsoft.com/office/powerpoint/2010/main" val="16147994"/>
       </p:ext>
     </p:extLst>
   </p:cSld>
@@ -3146,73 +1281,19 @@
             <p:ph type="title"/>
           </p:nvPr>
         </p:nvSpPr>
-        <p:spPr/>
-        <p:txBody>
-          <a:bodyPr/>
-          <a:lstStyle/>
-          <a:p>
-            <a:r>
-              <a:rPr lang="zh-CN" altLang="en-US"/>
-              <a:t>单击此处编辑母版标题样式</a:t>
-            </a:r>
-            <a:endParaRPr lang="en-US" dirty="0"/>
-          </a:p>
-        </p:txBody>
-      </p:sp>
-      <p:sp>
-        <p:nvSpPr>
-          <p:cNvPr id="3" name="Content Placeholder 2"/>
-          <p:cNvSpPr>
-            <a:spLocks noGrp="1"/>
-          </p:cNvSpPr>
-          <p:nvPr>
-            <p:ph sz="half" idx="1"/>
-          </p:nvPr>
-        </p:nvSpPr>
         <p:spPr>
           <a:xfrm>
-            <a:off x="684211" y="685800"/>
-            <a:ext cx="4937655" cy="3615267"/>
+            <a:off x="1449217" y="804889"/>
+            <a:ext cx="9605635" cy="1059305"/>
           </a:xfrm>
         </p:spPr>
         <p:txBody>
-          <a:bodyPr>
-            <a:normAutofit/>
-          </a:bodyPr>
-          <a:lstStyle/>
-          <a:p>
-            <a:pPr lvl="0"/>
-            <a:r>
-              <a:rPr lang="zh-CN" altLang="en-US"/>
-              <a:t>单击此处编辑母版文本样式</a:t>
-            </a:r>
-          </a:p>
-          <a:p>
-            <a:pPr lvl="1"/>
-            <a:r>
-              <a:rPr lang="zh-CN" altLang="en-US"/>
-              <a:t>二级</a:t>
-            </a:r>
-          </a:p>
-          <a:p>
-            <a:pPr lvl="2"/>
-            <a:r>
-              <a:rPr lang="zh-CN" altLang="en-US"/>
-              <a:t>三级</a:t>
-            </a:r>
-          </a:p>
-          <a:p>
-            <a:pPr lvl="3"/>
-            <a:r>
-              <a:rPr lang="zh-CN" altLang="en-US"/>
-              <a:t>四级</a:t>
-            </a:r>
-          </a:p>
-          <a:p>
-            <a:pPr lvl="4"/>
-            <a:r>
-              <a:rPr lang="zh-CN" altLang="en-US"/>
-              <a:t>五级</a:t>
+          <a:bodyPr/>
+          <a:lstStyle/>
+          <a:p>
+            <a:r>
+              <a:rPr lang="zh-CN" altLang="en-US"/>
+              <a:t>单击此处编辑母版标题样式</a:t>
             </a:r>
             <a:endParaRPr lang="en-US" dirty="0"/>
           </a:p>
@@ -3220,24 +1301,79 @@
       </p:sp>
       <p:sp>
         <p:nvSpPr>
-          <p:cNvPr id="4" name="Content Placeholder 3"/>
-          <p:cNvSpPr>
-            <a:spLocks noGrp="1"/>
-          </p:cNvSpPr>
-          <p:nvPr>
-            <p:ph sz="half" idx="2"/>
+          <p:cNvPr id="3" name="Content Placeholder 2"/>
+          <p:cNvSpPr>
+            <a:spLocks noGrp="1"/>
+          </p:cNvSpPr>
+          <p:nvPr>
+            <p:ph sz="half" idx="1"/>
           </p:nvPr>
         </p:nvSpPr>
         <p:spPr>
           <a:xfrm>
-            <a:off x="5808133" y="685801"/>
-            <a:ext cx="4934479" cy="3615266"/>
+            <a:off x="1447331" y="2010878"/>
+            <a:ext cx="4645152" cy="3448595"/>
           </a:xfrm>
         </p:spPr>
         <p:txBody>
-          <a:bodyPr>
-            <a:normAutofit/>
-          </a:bodyPr>
+          <a:bodyPr/>
+          <a:lstStyle/>
+          <a:p>
+            <a:pPr lvl="0"/>
+            <a:r>
+              <a:rPr lang="zh-CN" altLang="en-US"/>
+              <a:t>单击此处编辑母版文本样式</a:t>
+            </a:r>
+          </a:p>
+          <a:p>
+            <a:pPr lvl="1"/>
+            <a:r>
+              <a:rPr lang="zh-CN" altLang="en-US"/>
+              <a:t>二级</a:t>
+            </a:r>
+          </a:p>
+          <a:p>
+            <a:pPr lvl="2"/>
+            <a:r>
+              <a:rPr lang="zh-CN" altLang="en-US"/>
+              <a:t>三级</a:t>
+            </a:r>
+          </a:p>
+          <a:p>
+            <a:pPr lvl="3"/>
+            <a:r>
+              <a:rPr lang="zh-CN" altLang="en-US"/>
+              <a:t>四级</a:t>
+            </a:r>
+          </a:p>
+          <a:p>
+            <a:pPr lvl="4"/>
+            <a:r>
+              <a:rPr lang="zh-CN" altLang="en-US"/>
+              <a:t>五级</a:t>
+            </a:r>
+            <a:endParaRPr lang="en-US" dirty="0"/>
+          </a:p>
+        </p:txBody>
+      </p:sp>
+      <p:sp>
+        <p:nvSpPr>
+          <p:cNvPr id="4" name="Content Placeholder 3"/>
+          <p:cNvSpPr>
+            <a:spLocks noGrp="1"/>
+          </p:cNvSpPr>
+          <p:nvPr>
+            <p:ph sz="half" idx="2"/>
+          </p:nvPr>
+        </p:nvSpPr>
+        <p:spPr>
+          <a:xfrm>
+            <a:off x="6413771" y="2017343"/>
+            <a:ext cx="4645152" cy="3441520"/>
+          </a:xfrm>
+        </p:spPr>
+        <p:txBody>
+          <a:bodyPr/>
           <a:lstStyle/>
           <a:p>
             <a:pPr lvl="0"/>
@@ -3294,7 +1430,7 @@
           <a:p>
             <a:fld id="{DEC8F6E9-8B93-4AFB-A97F-CD8D0E606F2A}" type="datetimeFigureOut">
               <a:rPr lang="zh-CN" altLang="en-US" smtClean="0"/>
-              <a:t>2022/7/9</a:t>
+              <a:t>2022/7/11</a:t>
             </a:fld>
             <a:endParaRPr lang="zh-CN" altLang="en-US"/>
           </a:p>
@@ -3342,10 +1478,41 @@
           </a:p>
         </p:txBody>
       </p:sp>
+      <p:cxnSp>
+        <p:nvCxnSpPr>
+          <p:cNvPr id="35" name="Straight Connector 34"/>
+          <p:cNvCxnSpPr/>
+          <p:nvPr/>
+        </p:nvCxnSpPr>
+        <p:spPr>
+          <a:xfrm>
+            <a:off x="1453896" y="1847088"/>
+            <a:ext cx="9607522" cy="0"/>
+          </a:xfrm>
+          <a:prstGeom prst="line">
+            <a:avLst/>
+          </a:prstGeom>
+          <a:ln w="31750"/>
+        </p:spPr>
+        <p:style>
+          <a:lnRef idx="3">
+            <a:schemeClr val="accent1"/>
+          </a:lnRef>
+          <a:fillRef idx="0">
+            <a:schemeClr val="accent1"/>
+          </a:fillRef>
+          <a:effectRef idx="2">
+            <a:schemeClr val="accent1"/>
+          </a:effectRef>
+          <a:fontRef idx="minor">
+            <a:schemeClr val="tx1"/>
+          </a:fontRef>
+        </p:style>
+      </p:cxnSp>
     </p:spTree>
     <p:extLst>
       <p:ext uri="{BB962C8B-B14F-4D97-AF65-F5344CB8AC3E}">
-        <p14:creationId xmlns:p14="http://schemas.microsoft.com/office/powerpoint/2010/main" val="3573797597"/>
+        <p14:creationId xmlns:p14="http://schemas.microsoft.com/office/powerpoint/2010/main" val="1640129449"/>
       </p:ext>
     </p:extLst>
   </p:cSld>
@@ -3382,49 +1549,53 @@
             <p:ph type="title"/>
           </p:nvPr>
         </p:nvSpPr>
-        <p:spPr/>
-        <p:txBody>
-          <a:bodyPr/>
-          <a:lstStyle>
-            <a:lvl1pPr>
-              <a:defRPr/>
-            </a:lvl1pPr>
-          </a:lstStyle>
-          <a:p>
-            <a:r>
-              <a:rPr lang="zh-CN" altLang="en-US"/>
-              <a:t>单击此处编辑母版标题样式</a:t>
-            </a:r>
-            <a:endParaRPr lang="en-US" dirty="0"/>
-          </a:p>
-        </p:txBody>
-      </p:sp>
-      <p:sp>
-        <p:nvSpPr>
-          <p:cNvPr id="3" name="Text Placeholder 2"/>
-          <p:cNvSpPr>
-            <a:spLocks noGrp="1"/>
-          </p:cNvSpPr>
-          <p:nvPr>
-            <p:ph type="body" idx="1"/>
-          </p:nvPr>
-        </p:nvSpPr>
         <p:spPr>
           <a:xfrm>
-            <a:off x="972080" y="685800"/>
-            <a:ext cx="4649787" cy="576262"/>
+            <a:off x="1447191" y="804163"/>
+            <a:ext cx="9607661" cy="1056319"/>
           </a:xfrm>
         </p:spPr>
         <p:txBody>
+          <a:bodyPr/>
+          <a:lstStyle/>
+          <a:p>
+            <a:r>
+              <a:rPr lang="zh-CN" altLang="en-US"/>
+              <a:t>单击此处编辑母版标题样式</a:t>
+            </a:r>
+            <a:endParaRPr lang="en-US" dirty="0"/>
+          </a:p>
+        </p:txBody>
+      </p:sp>
+      <p:sp>
+        <p:nvSpPr>
+          <p:cNvPr id="3" name="Text Placeholder 2"/>
+          <p:cNvSpPr>
+            <a:spLocks noGrp="1"/>
+          </p:cNvSpPr>
+          <p:nvPr>
+            <p:ph type="body" idx="1"/>
+          </p:nvPr>
+        </p:nvSpPr>
+        <p:spPr>
+          <a:xfrm>
+            <a:off x="1447191" y="2019549"/>
+            <a:ext cx="4645152" cy="801943"/>
+          </a:xfrm>
+        </p:spPr>
+        <p:txBody>
           <a:bodyPr anchor="b">
-            <a:noAutofit/>
+            <a:normAutofit/>
           </a:bodyPr>
           <a:lstStyle>
             <a:lvl1pPr marL="0" indent="0">
-              <a:buNone/>
-              <a:defRPr sz="2800" b="0">
+              <a:lnSpc>
+                <a:spcPct val="100000"/>
+              </a:lnSpc>
+              <a:buNone/>
+              <a:defRPr sz="2200" b="0" cap="all" baseline="0">
                 <a:solidFill>
-                  <a:schemeClr val="tx1"/>
+                  <a:schemeClr val="accent1"/>
                 </a:solidFill>
               </a:defRPr>
             </a:lvl1pPr>
@@ -3482,14 +1653,12 @@
         </p:nvSpPr>
         <p:spPr>
           <a:xfrm>
-            <a:off x="684211" y="1270529"/>
-            <a:ext cx="4937655" cy="3030538"/>
+            <a:off x="1447191" y="2824269"/>
+            <a:ext cx="4645152" cy="2644457"/>
           </a:xfrm>
         </p:spPr>
         <p:txBody>
-          <a:bodyPr anchor="t">
-            <a:normAutofit/>
-          </a:bodyPr>
+          <a:bodyPr/>
           <a:lstStyle/>
           <a:p>
             <a:pPr lvl="0"/>
@@ -3541,20 +1710,23 @@
         </p:nvSpPr>
         <p:spPr>
           <a:xfrm>
-            <a:off x="6079066" y="685800"/>
-            <a:ext cx="4665134" cy="576262"/>
+            <a:off x="6412362" y="2023003"/>
+            <a:ext cx="4645152" cy="802237"/>
           </a:xfrm>
         </p:spPr>
         <p:txBody>
           <a:bodyPr anchor="b">
-            <a:noAutofit/>
+            <a:normAutofit/>
           </a:bodyPr>
           <a:lstStyle>
             <a:lvl1pPr marL="0" indent="0">
-              <a:buNone/>
-              <a:defRPr sz="2800" b="0">
+              <a:lnSpc>
+                <a:spcPct val="100000"/>
+              </a:lnSpc>
+              <a:buNone/>
+              <a:defRPr sz="2200" b="0" cap="all" baseline="0">
                 <a:solidFill>
-                  <a:schemeClr val="tx1"/>
+                  <a:schemeClr val="accent1"/>
                 </a:solidFill>
               </a:defRPr>
             </a:lvl1pPr>
@@ -3612,14 +1784,12 @@
         </p:nvSpPr>
         <p:spPr>
           <a:xfrm>
-            <a:off x="5806545" y="1262062"/>
-            <a:ext cx="4929188" cy="3030538"/>
+            <a:off x="6412362" y="2821491"/>
+            <a:ext cx="4645152" cy="2637371"/>
           </a:xfrm>
         </p:spPr>
         <p:txBody>
-          <a:bodyPr anchor="t">
-            <a:normAutofit/>
-          </a:bodyPr>
+          <a:bodyPr/>
           <a:lstStyle/>
           <a:p>
             <a:pPr lvl="0"/>
@@ -3676,7 +1846,7 @@
           <a:p>
             <a:fld id="{DEC8F6E9-8B93-4AFB-A97F-CD8D0E606F2A}" type="datetimeFigureOut">
               <a:rPr lang="zh-CN" altLang="en-US" smtClean="0"/>
-              <a:t>2022/7/9</a:t>
+              <a:t>2022/7/11</a:t>
             </a:fld>
             <a:endParaRPr lang="zh-CN" altLang="en-US"/>
           </a:p>
@@ -3724,10 +1894,41 @@
           </a:p>
         </p:txBody>
       </p:sp>
+      <p:cxnSp>
+        <p:nvCxnSpPr>
+          <p:cNvPr id="29" name="Straight Connector 28"/>
+          <p:cNvCxnSpPr/>
+          <p:nvPr/>
+        </p:nvCxnSpPr>
+        <p:spPr>
+          <a:xfrm>
+            <a:off x="1453896" y="1847088"/>
+            <a:ext cx="9607522" cy="0"/>
+          </a:xfrm>
+          <a:prstGeom prst="line">
+            <a:avLst/>
+          </a:prstGeom>
+          <a:ln w="31750"/>
+        </p:spPr>
+        <p:style>
+          <a:lnRef idx="3">
+            <a:schemeClr val="accent1"/>
+          </a:lnRef>
+          <a:fillRef idx="0">
+            <a:schemeClr val="accent1"/>
+          </a:fillRef>
+          <a:effectRef idx="2">
+            <a:schemeClr val="accent1"/>
+          </a:effectRef>
+          <a:fontRef idx="minor">
+            <a:schemeClr val="tx1"/>
+          </a:fontRef>
+        </p:style>
+      </p:cxnSp>
     </p:spTree>
     <p:extLst>
       <p:ext uri="{BB962C8B-B14F-4D97-AF65-F5344CB8AC3E}">
-        <p14:creationId xmlns:p14="http://schemas.microsoft.com/office/powerpoint/2010/main" val="1439793051"/>
+        <p14:creationId xmlns:p14="http://schemas.microsoft.com/office/powerpoint/2010/main" val="354614280"/>
       </p:ext>
     </p:extLst>
   </p:cSld>
@@ -3794,7 +1995,7 @@
           <a:p>
             <a:fld id="{DEC8F6E9-8B93-4AFB-A97F-CD8D0E606F2A}" type="datetimeFigureOut">
               <a:rPr lang="zh-CN" altLang="en-US" smtClean="0"/>
-              <a:t>2022/7/9</a:t>
+              <a:t>2022/7/11</a:t>
             </a:fld>
             <a:endParaRPr lang="zh-CN" altLang="en-US"/>
           </a:p>
@@ -3842,10 +2043,41 @@
           </a:p>
         </p:txBody>
       </p:sp>
+      <p:cxnSp>
+        <p:nvCxnSpPr>
+          <p:cNvPr id="25" name="Straight Connector 24"/>
+          <p:cNvCxnSpPr/>
+          <p:nvPr/>
+        </p:nvCxnSpPr>
+        <p:spPr>
+          <a:xfrm>
+            <a:off x="1453896" y="1847088"/>
+            <a:ext cx="9607522" cy="0"/>
+          </a:xfrm>
+          <a:prstGeom prst="line">
+            <a:avLst/>
+          </a:prstGeom>
+          <a:ln w="31750"/>
+        </p:spPr>
+        <p:style>
+          <a:lnRef idx="3">
+            <a:schemeClr val="accent1"/>
+          </a:lnRef>
+          <a:fillRef idx="0">
+            <a:schemeClr val="accent1"/>
+          </a:fillRef>
+          <a:effectRef idx="2">
+            <a:schemeClr val="accent1"/>
+          </a:effectRef>
+          <a:fontRef idx="minor">
+            <a:schemeClr val="tx1"/>
+          </a:fontRef>
+        </p:style>
+      </p:cxnSp>
     </p:spTree>
     <p:extLst>
       <p:ext uri="{BB962C8B-B14F-4D97-AF65-F5344CB8AC3E}">
-        <p14:creationId xmlns:p14="http://schemas.microsoft.com/office/powerpoint/2010/main" val="1603401441"/>
+        <p14:creationId xmlns:p14="http://schemas.microsoft.com/office/powerpoint/2010/main" val="1979496083"/>
       </p:ext>
     </p:extLst>
   </p:cSld>
@@ -3889,7 +2121,7 @@
           <a:p>
             <a:fld id="{DEC8F6E9-8B93-4AFB-A97F-CD8D0E606F2A}" type="datetimeFigureOut">
               <a:rPr lang="zh-CN" altLang="en-US" smtClean="0"/>
-              <a:t>2022/7/9</a:t>
+              <a:t>2022/7/11</a:t>
             </a:fld>
             <a:endParaRPr lang="zh-CN" altLang="en-US"/>
           </a:p>
@@ -3940,7 +2172,7 @@
     </p:spTree>
     <p:extLst>
       <p:ext uri="{BB962C8B-B14F-4D97-AF65-F5344CB8AC3E}">
-        <p14:creationId xmlns:p14="http://schemas.microsoft.com/office/powerpoint/2010/main" val="548282653"/>
+        <p14:creationId xmlns:p14="http://schemas.microsoft.com/office/powerpoint/2010/main" val="3440433616"/>
       </p:ext>
     </p:extLst>
   </p:cSld>
@@ -3979,8 +2211,8 @@
         </p:nvSpPr>
         <p:spPr>
           <a:xfrm>
-            <a:off x="7085012" y="685800"/>
-            <a:ext cx="3657600" cy="1371600"/>
+            <a:off x="1444671" y="798973"/>
+            <a:ext cx="3273099" cy="2247117"/>
           </a:xfrm>
         </p:spPr>
         <p:txBody>
@@ -3989,7 +2221,7 @@
           </a:bodyPr>
           <a:lstStyle>
             <a:lvl1pPr algn="l">
-              <a:defRPr sz="2400" b="0"/>
+              <a:defRPr sz="2400"/>
             </a:lvl1pPr>
           </a:lstStyle>
           <a:p>
@@ -4013,14 +2245,12 @@
         </p:nvSpPr>
         <p:spPr>
           <a:xfrm>
-            <a:off x="684212" y="685800"/>
-            <a:ext cx="5943601" cy="5308600"/>
+            <a:off x="5043714" y="798974"/>
+            <a:ext cx="6012470" cy="4658826"/>
           </a:xfrm>
         </p:spPr>
         <p:txBody>
-          <a:bodyPr anchor="ctr">
-            <a:normAutofit/>
-          </a:bodyPr>
+          <a:bodyPr anchor="ctr"/>
           <a:lstStyle/>
           <a:p>
             <a:pPr lvl="0"/>
@@ -4072,50 +2302,48 @@
         </p:nvSpPr>
         <p:spPr>
           <a:xfrm>
-            <a:off x="7085012" y="2209799"/>
-            <a:ext cx="3657600" cy="2091267"/>
+            <a:off x="1444671" y="3205491"/>
+            <a:ext cx="3275013" cy="2248181"/>
           </a:xfrm>
         </p:spPr>
         <p:txBody>
-          <a:bodyPr anchor="t">
-            <a:normAutofit/>
-          </a:bodyPr>
+          <a:bodyPr/>
           <a:lstStyle>
-            <a:lvl1pPr marL="0" indent="0">
+            <a:lvl1pPr marL="0" indent="0" algn="l">
               <a:buNone/>
               <a:defRPr sz="1600"/>
             </a:lvl1pPr>
             <a:lvl2pPr marL="457200" indent="0">
               <a:buNone/>
-              <a:defRPr sz="1200"/>
+              <a:defRPr sz="1400"/>
             </a:lvl2pPr>
             <a:lvl3pPr marL="914400" indent="0">
               <a:buNone/>
-              <a:defRPr sz="1000"/>
+              <a:defRPr sz="1200"/>
             </a:lvl3pPr>
             <a:lvl4pPr marL="1371600" indent="0">
               <a:buNone/>
-              <a:defRPr sz="900"/>
+              <a:defRPr sz="1000"/>
             </a:lvl4pPr>
             <a:lvl5pPr marL="1828800" indent="0">
               <a:buNone/>
-              <a:defRPr sz="900"/>
+              <a:defRPr sz="1000"/>
             </a:lvl5pPr>
             <a:lvl6pPr marL="2286000" indent="0">
               <a:buNone/>
-              <a:defRPr sz="900"/>
+              <a:defRPr sz="1000"/>
             </a:lvl6pPr>
             <a:lvl7pPr marL="2743200" indent="0">
               <a:buNone/>
-              <a:defRPr sz="900"/>
+              <a:defRPr sz="1000"/>
             </a:lvl7pPr>
             <a:lvl8pPr marL="3200400" indent="0">
               <a:buNone/>
-              <a:defRPr sz="900"/>
+              <a:defRPr sz="1000"/>
             </a:lvl8pPr>
             <a:lvl9pPr marL="3657600" indent="0">
               <a:buNone/>
-              <a:defRPr sz="900"/>
+              <a:defRPr sz="1000"/>
             </a:lvl9pPr>
           </a:lstStyle>
           <a:p>
@@ -4144,7 +2372,7 @@
           <a:p>
             <a:fld id="{DEC8F6E9-8B93-4AFB-A97F-CD8D0E606F2A}" type="datetimeFigureOut">
               <a:rPr lang="zh-CN" altLang="en-US" smtClean="0"/>
-              <a:t>2022/7/9</a:t>
+              <a:t>2022/7/11</a:t>
             </a:fld>
             <a:endParaRPr lang="zh-CN" altLang="en-US"/>
           </a:p>
@@ -4192,10 +2420,41 @@
           </a:p>
         </p:txBody>
       </p:sp>
+      <p:cxnSp>
+        <p:nvCxnSpPr>
+          <p:cNvPr id="17" name="Straight Connector 16"/>
+          <p:cNvCxnSpPr/>
+          <p:nvPr/>
+        </p:nvCxnSpPr>
+        <p:spPr>
+          <a:xfrm>
+            <a:off x="1448280" y="3205491"/>
+            <a:ext cx="3269490" cy="0"/>
+          </a:xfrm>
+          <a:prstGeom prst="line">
+            <a:avLst/>
+          </a:prstGeom>
+          <a:ln w="31750"/>
+        </p:spPr>
+        <p:style>
+          <a:lnRef idx="3">
+            <a:schemeClr val="accent1"/>
+          </a:lnRef>
+          <a:fillRef idx="0">
+            <a:schemeClr val="accent1"/>
+          </a:fillRef>
+          <a:effectRef idx="2">
+            <a:schemeClr val="accent1"/>
+          </a:effectRef>
+          <a:fontRef idx="minor">
+            <a:schemeClr val="tx1"/>
+          </a:fontRef>
+        </p:style>
+      </p:cxnSp>
     </p:spTree>
     <p:extLst>
       <p:ext uri="{BB962C8B-B14F-4D97-AF65-F5344CB8AC3E}">
-        <p14:creationId xmlns:p14="http://schemas.microsoft.com/office/powerpoint/2010/main" val="2308521706"/>
+        <p14:creationId xmlns:p14="http://schemas.microsoft.com/office/powerpoint/2010/main" val="3650058054"/>
       </p:ext>
     </p:extLst>
   </p:cSld>
@@ -4222,6 +2481,140 @@
           <a:chExt cx="0" cy="0"/>
         </a:xfrm>
       </p:grpSpPr>
+      <p:grpSp>
+        <p:nvGrpSpPr>
+          <p:cNvPr id="8" name="Group 7"/>
+          <p:cNvGrpSpPr/>
+          <p:nvPr/>
+        </p:nvGrpSpPr>
+        <p:grpSpPr>
+          <a:xfrm>
+            <a:off x="7477387" y="482170"/>
+            <a:ext cx="4074533" cy="5149101"/>
+            <a:chOff x="7477387" y="482170"/>
+            <a:chExt cx="4074533" cy="5149101"/>
+          </a:xfrm>
+        </p:grpSpPr>
+        <p:sp>
+          <p:nvSpPr>
+            <p:cNvPr id="18" name="Rectangle 17"/>
+            <p:cNvSpPr/>
+            <p:nvPr/>
+          </p:nvSpPr>
+          <p:spPr bwMode="black">
+            <a:xfrm>
+              <a:off x="7477387" y="482170"/>
+              <a:ext cx="4074533" cy="5149101"/>
+            </a:xfrm>
+            <a:prstGeom prst="rect">
+              <a:avLst/>
+            </a:prstGeom>
+            <a:gradFill>
+              <a:gsLst>
+                <a:gs pos="0">
+                  <a:srgbClr val="000001"/>
+                </a:gs>
+                <a:gs pos="100000">
+                  <a:srgbClr val="191919"/>
+                </a:gs>
+              </a:gsLst>
+            </a:gradFill>
+            <a:ln w="76200" cmpd="sng">
+              <a:noFill/>
+              <a:miter lim="800000"/>
+            </a:ln>
+            <a:effectLst>
+              <a:outerShdw blurRad="127000" dist="228600" dir="4740000" sx="98000" sy="98000" algn="tl" rotWithShape="0">
+                <a:srgbClr val="000000">
+                  <a:alpha val="34000"/>
+                </a:srgbClr>
+              </a:outerShdw>
+            </a:effectLst>
+            <a:scene3d>
+              <a:camera prst="orthographicFront"/>
+              <a:lightRig rig="threePt" dir="t"/>
+            </a:scene3d>
+            <a:sp3d>
+              <a:bevelT w="152400" h="50800" prst="softRound"/>
+            </a:sp3d>
+          </p:spPr>
+          <p:style>
+            <a:lnRef idx="1">
+              <a:schemeClr val="accent1"/>
+            </a:lnRef>
+            <a:fillRef idx="3">
+              <a:schemeClr val="accent1"/>
+            </a:fillRef>
+            <a:effectRef idx="2">
+              <a:schemeClr val="accent1"/>
+            </a:effectRef>
+            <a:fontRef idx="minor">
+              <a:schemeClr val="lt1"/>
+            </a:fontRef>
+          </p:style>
+        </p:sp>
+        <p:sp>
+          <p:nvSpPr>
+            <p:cNvPr id="19" name="Rectangle 18"/>
+            <p:cNvSpPr/>
+            <p:nvPr/>
+          </p:nvSpPr>
+          <p:spPr bwMode="blackWhite">
+            <a:xfrm>
+              <a:off x="7790446" y="812506"/>
+              <a:ext cx="3450289" cy="4466452"/>
+            </a:xfrm>
+            <a:prstGeom prst="rect">
+              <a:avLst/>
+            </a:prstGeom>
+            <a:gradFill>
+              <a:gsLst>
+                <a:gs pos="0">
+                  <a:srgbClr val="DADADA"/>
+                </a:gs>
+                <a:gs pos="100000">
+                  <a:srgbClr val="FFFFFE"/>
+                </a:gs>
+              </a:gsLst>
+              <a:lin ang="16200000" scaled="0"/>
+            </a:gradFill>
+            <a:ln w="50800" cmpd="sng">
+              <a:solidFill>
+                <a:srgbClr val="191919"/>
+              </a:solidFill>
+              <a:miter lim="800000"/>
+            </a:ln>
+            <a:effectLst>
+              <a:innerShdw blurRad="63500" dist="88900" dir="14100000">
+                <a:srgbClr val="000000">
+                  <a:alpha val="30000"/>
+                </a:srgbClr>
+              </a:innerShdw>
+            </a:effectLst>
+            <a:scene3d>
+              <a:camera prst="orthographicFront"/>
+              <a:lightRig rig="threePt" dir="t"/>
+            </a:scene3d>
+            <a:sp3d>
+              <a:bevelT prst="relaxedInset"/>
+            </a:sp3d>
+          </p:spPr>
+          <p:style>
+            <a:lnRef idx="1">
+              <a:schemeClr val="accent1"/>
+            </a:lnRef>
+            <a:fillRef idx="3">
+              <a:schemeClr val="accent1"/>
+            </a:fillRef>
+            <a:effectRef idx="2">
+              <a:schemeClr val="accent1"/>
+            </a:effectRef>
+            <a:fontRef idx="minor">
+              <a:schemeClr val="lt1"/>
+            </a:fontRef>
+          </p:style>
+        </p:sp>
+      </p:grpSp>
       <p:sp>
         <p:nvSpPr>
           <p:cNvPr id="2" name="Title 1"/>
@@ -4234,8 +2627,8 @@
         </p:nvSpPr>
         <p:spPr>
           <a:xfrm>
-            <a:off x="4722812" y="1447800"/>
-            <a:ext cx="6019800" cy="1143000"/>
+            <a:off x="1451206" y="1129513"/>
+            <a:ext cx="5532328" cy="1830584"/>
           </a:xfrm>
         </p:spPr>
         <p:txBody>
@@ -4243,8 +2636,8 @@
             <a:normAutofit/>
           </a:bodyPr>
           <a:lstStyle>
-            <a:lvl1pPr algn="l">
-              <a:defRPr sz="2800" b="0"/>
+            <a:lvl1pPr>
+              <a:defRPr sz="3200"/>
             </a:lvl1pPr>
           </a:lstStyle>
           <a:p>
@@ -4258,7 +2651,7 @@
       </p:sp>
       <p:sp>
         <p:nvSpPr>
-          <p:cNvPr id="14" name="Picture Placeholder 2"/>
+          <p:cNvPr id="3" name="Picture Placeholder 2"/>
           <p:cNvSpPr>
             <a:spLocks noGrp="1" noChangeAspect="1"/>
           </p:cNvSpPr>
@@ -4268,137 +2661,125 @@
         </p:nvSpPr>
         <p:spPr>
           <a:xfrm>
-            <a:off x="989012" y="914400"/>
-            <a:ext cx="3280974" cy="4572000"/>
+            <a:off x="8124389" y="1122542"/>
+            <a:ext cx="2791171" cy="3866327"/>
           </a:xfrm>
-          <a:prstGeom prst="snip2DiagRect">
-            <a:avLst>
-              <a:gd name="adj1" fmla="val 10815"/>
-              <a:gd name="adj2" fmla="val 0"/>
-            </a:avLst>
-          </a:prstGeom>
-          <a:ln w="15875">
-            <a:solidFill>
-              <a:schemeClr val="tx1">
-                <a:alpha val="40000"/>
-              </a:schemeClr>
-            </a:solidFill>
+          <a:solidFill>
+            <a:schemeClr val="bg1">
+              <a:lumMod val="85000"/>
+            </a:schemeClr>
+          </a:solidFill>
+          <a:ln w="9525" cap="sq">
+            <a:noFill/>
+            <a:miter lim="800000"/>
           </a:ln>
-          <a:effectLst>
-            <a:innerShdw blurRad="57150" dist="38100" dir="14460000">
-              <a:srgbClr val="000000">
-                <a:alpha val="70000"/>
-              </a:srgbClr>
-            </a:innerShdw>
-          </a:effectLst>
+          <a:effectLst/>
         </p:spPr>
         <p:txBody>
-          <a:bodyPr anchor="t">
+          <a:bodyPr anchor="t"/>
+          <a:lstStyle>
+            <a:lvl1pPr marL="0" indent="0" algn="ctr">
+              <a:buNone/>
+              <a:defRPr sz="3200"/>
+            </a:lvl1pPr>
+            <a:lvl2pPr marL="457200" indent="0">
+              <a:buNone/>
+              <a:defRPr sz="2800"/>
+            </a:lvl2pPr>
+            <a:lvl3pPr marL="914400" indent="0">
+              <a:buNone/>
+              <a:defRPr sz="2400"/>
+            </a:lvl3pPr>
+            <a:lvl4pPr marL="1371600" indent="0">
+              <a:buNone/>
+              <a:defRPr sz="2000"/>
+            </a:lvl4pPr>
+            <a:lvl5pPr marL="1828800" indent="0">
+              <a:buNone/>
+              <a:defRPr sz="2000"/>
+            </a:lvl5pPr>
+            <a:lvl6pPr marL="2286000" indent="0">
+              <a:buNone/>
+              <a:defRPr sz="2000"/>
+            </a:lvl6pPr>
+            <a:lvl7pPr marL="2743200" indent="0">
+              <a:buNone/>
+              <a:defRPr sz="2000"/>
+            </a:lvl7pPr>
+            <a:lvl8pPr marL="3200400" indent="0">
+              <a:buNone/>
+              <a:defRPr sz="2000"/>
+            </a:lvl8pPr>
+            <a:lvl9pPr marL="3657600" indent="0">
+              <a:buNone/>
+              <a:defRPr sz="2000"/>
+            </a:lvl9pPr>
+          </a:lstStyle>
+          <a:p>
+            <a:r>
+              <a:rPr lang="zh-CN" altLang="en-US"/>
+              <a:t>单击图标添加图片</a:t>
+            </a:r>
+            <a:endParaRPr lang="en-US" dirty="0"/>
+          </a:p>
+        </p:txBody>
+      </p:sp>
+      <p:sp>
+        <p:nvSpPr>
+          <p:cNvPr id="4" name="Text Placeholder 3"/>
+          <p:cNvSpPr>
+            <a:spLocks noGrp="1"/>
+          </p:cNvSpPr>
+          <p:nvPr>
+            <p:ph type="body" sz="half" idx="2"/>
+          </p:nvPr>
+        </p:nvSpPr>
+        <p:spPr>
+          <a:xfrm>
+            <a:off x="1450329" y="3145992"/>
+            <a:ext cx="5524404" cy="2003742"/>
+          </a:xfrm>
+        </p:spPr>
+        <p:txBody>
+          <a:bodyPr>
             <a:normAutofit/>
           </a:bodyPr>
           <a:lstStyle>
-            <a:lvl1pPr marL="0" indent="0" algn="ctr">
-              <a:buNone/>
-              <a:defRPr sz="1600"/>
-            </a:lvl1pPr>
-            <a:lvl2pPr marL="457200" indent="0">
-              <a:buNone/>
-              <a:defRPr sz="1600"/>
-            </a:lvl2pPr>
-            <a:lvl3pPr marL="914400" indent="0">
-              <a:buNone/>
-              <a:defRPr sz="1600"/>
-            </a:lvl3pPr>
-            <a:lvl4pPr marL="1371600" indent="0">
-              <a:buNone/>
-              <a:defRPr sz="1600"/>
-            </a:lvl4pPr>
-            <a:lvl5pPr marL="1828800" indent="0">
-              <a:buNone/>
-              <a:defRPr sz="1600"/>
-            </a:lvl5pPr>
-            <a:lvl6pPr marL="2286000" indent="0">
-              <a:buNone/>
-              <a:defRPr sz="1600"/>
-            </a:lvl6pPr>
-            <a:lvl7pPr marL="2743200" indent="0">
-              <a:buNone/>
-              <a:defRPr sz="1600"/>
-            </a:lvl7pPr>
-            <a:lvl8pPr marL="3200400" indent="0">
-              <a:buNone/>
-              <a:defRPr sz="1600"/>
-            </a:lvl8pPr>
-            <a:lvl9pPr marL="3657600" indent="0">
-              <a:buNone/>
-              <a:defRPr sz="1600"/>
-            </a:lvl9pPr>
-          </a:lstStyle>
-          <a:p>
-            <a:r>
-              <a:rPr lang="zh-CN" altLang="en-US"/>
-              <a:t>单击图标添加图片</a:t>
-            </a:r>
-            <a:endParaRPr lang="en-US" dirty="0"/>
-          </a:p>
-        </p:txBody>
-      </p:sp>
-      <p:sp>
-        <p:nvSpPr>
-          <p:cNvPr id="4" name="Text Placeholder 3"/>
-          <p:cNvSpPr>
-            <a:spLocks noGrp="1"/>
-          </p:cNvSpPr>
-          <p:nvPr>
-            <p:ph type="body" sz="half" idx="2"/>
-          </p:nvPr>
-        </p:nvSpPr>
-        <p:spPr>
-          <a:xfrm>
-            <a:off x="4722812" y="2777066"/>
-            <a:ext cx="6021388" cy="2048933"/>
-          </a:xfrm>
-        </p:spPr>
-        <p:txBody>
-          <a:bodyPr anchor="t">
-            <a:normAutofit/>
-          </a:bodyPr>
-          <a:lstStyle>
-            <a:lvl1pPr marL="0" indent="0">
+            <a:lvl1pPr marL="0" indent="0" algn="l">
               <a:buNone/>
               <a:defRPr sz="1800"/>
             </a:lvl1pPr>
             <a:lvl2pPr marL="457200" indent="0">
               <a:buNone/>
-              <a:defRPr sz="1200"/>
+              <a:defRPr sz="1400"/>
             </a:lvl2pPr>
             <a:lvl3pPr marL="914400" indent="0">
               <a:buNone/>
-              <a:defRPr sz="1000"/>
+              <a:defRPr sz="1200"/>
             </a:lvl3pPr>
             <a:lvl4pPr marL="1371600" indent="0">
               <a:buNone/>
-              <a:defRPr sz="900"/>
+              <a:defRPr sz="1000"/>
             </a:lvl4pPr>
             <a:lvl5pPr marL="1828800" indent="0">
               <a:buNone/>
-              <a:defRPr sz="900"/>
+              <a:defRPr sz="1000"/>
             </a:lvl5pPr>
             <a:lvl6pPr marL="2286000" indent="0">
               <a:buNone/>
-              <a:defRPr sz="900"/>
+              <a:defRPr sz="1000"/>
             </a:lvl6pPr>
             <a:lvl7pPr marL="2743200" indent="0">
               <a:buNone/>
-              <a:defRPr sz="900"/>
+              <a:defRPr sz="1000"/>
             </a:lvl7pPr>
             <a:lvl8pPr marL="3200400" indent="0">
               <a:buNone/>
-              <a:defRPr sz="900"/>
+              <a:defRPr sz="1000"/>
             </a:lvl8pPr>
             <a:lvl9pPr marL="3657600" indent="0">
               <a:buNone/>
-              <a:defRPr sz="900"/>
+              <a:defRPr sz="1000"/>
             </a:lvl9pPr>
           </a:lstStyle>
           <a:p>
@@ -4420,14 +2801,23 @@
             <p:ph type="dt" sz="half" idx="10"/>
           </p:nvPr>
         </p:nvSpPr>
-        <p:spPr/>
-        <p:txBody>
-          <a:bodyPr/>
-          <a:lstStyle/>
+        <p:spPr>
+          <a:xfrm>
+            <a:off x="1447382" y="5469856"/>
+            <a:ext cx="5527351" cy="320123"/>
+          </a:xfrm>
+        </p:spPr>
+        <p:txBody>
+          <a:bodyPr/>
+          <a:lstStyle>
+            <a:lvl1pPr algn="l">
+              <a:defRPr/>
+            </a:lvl1pPr>
+          </a:lstStyle>
           <a:p>
             <a:fld id="{DEC8F6E9-8B93-4AFB-A97F-CD8D0E606F2A}" type="datetimeFigureOut">
               <a:rPr lang="zh-CN" altLang="en-US" smtClean="0"/>
-              <a:t>2022/7/9</a:t>
+              <a:t>2022/7/11</a:t>
             </a:fld>
             <a:endParaRPr lang="zh-CN" altLang="en-US"/>
           </a:p>
@@ -4443,7 +2833,12 @@
             <p:ph type="ftr" sz="quarter" idx="11"/>
           </p:nvPr>
         </p:nvSpPr>
-        <p:spPr/>
+        <p:spPr>
+          <a:xfrm>
+            <a:off x="1447382" y="318640"/>
+            <a:ext cx="5541004" cy="320931"/>
+          </a:xfrm>
+        </p:spPr>
         <p:txBody>
           <a:bodyPr/>
           <a:lstStyle/>
@@ -4475,10 +2870,41 @@
           </a:p>
         </p:txBody>
       </p:sp>
+      <p:cxnSp>
+        <p:nvCxnSpPr>
+          <p:cNvPr id="31" name="Straight Connector 30"/>
+          <p:cNvCxnSpPr/>
+          <p:nvPr/>
+        </p:nvCxnSpPr>
+        <p:spPr>
+          <a:xfrm>
+            <a:off x="1447382" y="3143605"/>
+            <a:ext cx="5527351" cy="0"/>
+          </a:xfrm>
+          <a:prstGeom prst="line">
+            <a:avLst/>
+          </a:prstGeom>
+          <a:ln w="31750"/>
+        </p:spPr>
+        <p:style>
+          <a:lnRef idx="3">
+            <a:schemeClr val="accent1"/>
+          </a:lnRef>
+          <a:fillRef idx="0">
+            <a:schemeClr val="accent1"/>
+          </a:fillRef>
+          <a:effectRef idx="2">
+            <a:schemeClr val="accent1"/>
+          </a:effectRef>
+          <a:fontRef idx="minor">
+            <a:schemeClr val="tx1"/>
+          </a:fontRef>
+        </p:style>
+      </p:cxnSp>
     </p:spTree>
     <p:extLst>
       <p:ext uri="{BB962C8B-B14F-4D97-AF65-F5344CB8AC3E}">
-        <p14:creationId xmlns:p14="http://schemas.microsoft.com/office/powerpoint/2010/main" val="3425645498"/>
+        <p14:creationId xmlns:p14="http://schemas.microsoft.com/office/powerpoint/2010/main" val="1389510512"/>
       </p:ext>
     </p:extLst>
   </p:cSld>
@@ -4492,7 +2918,7 @@
 <p:sldMaster xmlns:a="http://schemas.openxmlformats.org/drawingml/2006/main" xmlns:r="http://schemas.openxmlformats.org/officeDocument/2006/relationships" xmlns:p="http://schemas.openxmlformats.org/presentationml/2006/main">
   <p:cSld>
     <p:bg>
-      <p:bgRef idx="1002">
+      <p:bgRef idx="1003">
         <a:schemeClr val="bg2"/>
       </p:bgRef>
     </p:bg>
@@ -4510,405 +2936,284 @@
           <a:chExt cx="0" cy="0"/>
         </a:xfrm>
       </p:grpSpPr>
-      <p:grpSp>
-        <p:nvGrpSpPr>
-          <p:cNvPr id="7" name="Group 6"/>
-          <p:cNvGrpSpPr/>
+      <p:sp>
+        <p:nvSpPr>
+          <p:cNvPr id="8" name="Rectangle 7"/>
+          <p:cNvSpPr/>
           <p:nvPr/>
-        </p:nvGrpSpPr>
-        <p:grpSpPr>
-          <a:xfrm>
-            <a:off x="9206969" y="2963333"/>
-            <a:ext cx="2981858" cy="3208867"/>
-            <a:chOff x="9206969" y="2963333"/>
-            <a:chExt cx="2981858" cy="3208867"/>
-          </a:xfrm>
-        </p:grpSpPr>
-        <p:cxnSp>
-          <p:nvCxnSpPr>
-            <p:cNvPr id="8" name="Straight Connector 7"/>
-            <p:cNvCxnSpPr/>
-            <p:nvPr/>
-          </p:nvCxnSpPr>
-          <p:spPr>
-            <a:xfrm flipH="1">
-              <a:off x="11276012" y="2963333"/>
-              <a:ext cx="912814" cy="912812"/>
-            </a:xfrm>
-            <a:prstGeom prst="line">
-              <a:avLst/>
-            </a:prstGeom>
-            <a:ln w="9525">
-              <a:solidFill>
-                <a:schemeClr val="tx1"/>
-              </a:solidFill>
-            </a:ln>
-          </p:spPr>
-          <p:style>
-            <a:lnRef idx="2">
-              <a:schemeClr val="accent1"/>
-            </a:lnRef>
-            <a:fillRef idx="0">
-              <a:schemeClr val="accent1"/>
-            </a:fillRef>
-            <a:effectRef idx="1">
-              <a:schemeClr val="accent1"/>
-            </a:effectRef>
-            <a:fontRef idx="minor">
-              <a:schemeClr val="tx1"/>
-            </a:fontRef>
-          </p:style>
-        </p:cxnSp>
-        <p:cxnSp>
-          <p:nvCxnSpPr>
-            <p:cNvPr id="9" name="Straight Connector 8"/>
-            <p:cNvCxnSpPr/>
-            <p:nvPr/>
-          </p:nvCxnSpPr>
-          <p:spPr>
-            <a:xfrm flipH="1">
-              <a:off x="9206969" y="3190344"/>
-              <a:ext cx="2981857" cy="2981856"/>
-            </a:xfrm>
-            <a:prstGeom prst="line">
-              <a:avLst/>
-            </a:prstGeom>
-            <a:ln w="9525">
-              <a:solidFill>
-                <a:schemeClr val="tx1"/>
-              </a:solidFill>
-            </a:ln>
-          </p:spPr>
-          <p:style>
-            <a:lnRef idx="2">
-              <a:schemeClr val="accent1"/>
-            </a:lnRef>
-            <a:fillRef idx="0">
-              <a:schemeClr val="accent1"/>
-            </a:fillRef>
-            <a:effectRef idx="1">
-              <a:schemeClr val="accent1"/>
-            </a:effectRef>
-            <a:fontRef idx="minor">
-              <a:schemeClr val="tx1"/>
-            </a:fontRef>
-          </p:style>
-        </p:cxnSp>
-        <p:cxnSp>
-          <p:nvCxnSpPr>
-            <p:cNvPr id="10" name="Straight Connector 9"/>
-            <p:cNvCxnSpPr/>
-            <p:nvPr/>
-          </p:nvCxnSpPr>
-          <p:spPr>
-            <a:xfrm flipH="1">
-              <a:off x="10292292" y="3285067"/>
-              <a:ext cx="1896534" cy="1896533"/>
-            </a:xfrm>
-            <a:prstGeom prst="line">
-              <a:avLst/>
-            </a:prstGeom>
-            <a:ln w="9525">
-              <a:solidFill>
-                <a:schemeClr val="tx1"/>
-              </a:solidFill>
-            </a:ln>
-          </p:spPr>
-          <p:style>
-            <a:lnRef idx="2">
-              <a:schemeClr val="accent1"/>
-            </a:lnRef>
-            <a:fillRef idx="0">
-              <a:schemeClr val="accent1"/>
-            </a:fillRef>
-            <a:effectRef idx="1">
-              <a:schemeClr val="accent1"/>
-            </a:effectRef>
-            <a:fontRef idx="minor">
-              <a:schemeClr val="tx1"/>
-            </a:fontRef>
-          </p:style>
-        </p:cxnSp>
-        <p:cxnSp>
-          <p:nvCxnSpPr>
-            <p:cNvPr id="11" name="Straight Connector 10"/>
-            <p:cNvCxnSpPr/>
-            <p:nvPr/>
-          </p:nvCxnSpPr>
-          <p:spPr>
-            <a:xfrm flipH="1">
-              <a:off x="10443103" y="3131080"/>
-              <a:ext cx="1745722" cy="1745720"/>
-            </a:xfrm>
-            <a:prstGeom prst="line">
-              <a:avLst/>
-            </a:prstGeom>
-            <a:ln w="28575">
-              <a:solidFill>
-                <a:schemeClr val="tx1"/>
-              </a:solidFill>
-            </a:ln>
-          </p:spPr>
-          <p:style>
-            <a:lnRef idx="2">
-              <a:schemeClr val="accent1"/>
-            </a:lnRef>
-            <a:fillRef idx="0">
-              <a:schemeClr val="accent1"/>
-            </a:fillRef>
-            <a:effectRef idx="1">
-              <a:schemeClr val="accent1"/>
-            </a:effectRef>
-            <a:fontRef idx="minor">
-              <a:schemeClr val="tx1"/>
-            </a:fontRef>
-          </p:style>
-        </p:cxnSp>
-        <p:cxnSp>
-          <p:nvCxnSpPr>
-            <p:cNvPr id="12" name="Straight Connector 11"/>
-            <p:cNvCxnSpPr/>
-            <p:nvPr/>
-          </p:nvCxnSpPr>
-          <p:spPr>
-            <a:xfrm flipH="1">
-              <a:off x="10918826" y="3683001"/>
-              <a:ext cx="1270001" cy="1269999"/>
-            </a:xfrm>
-            <a:prstGeom prst="line">
-              <a:avLst/>
-            </a:prstGeom>
-            <a:ln w="28575">
-              <a:solidFill>
-                <a:schemeClr val="tx1"/>
-              </a:solidFill>
-            </a:ln>
-          </p:spPr>
-          <p:style>
-            <a:lnRef idx="2">
-              <a:schemeClr val="accent1"/>
-            </a:lnRef>
-            <a:fillRef idx="0">
-              <a:schemeClr val="accent1"/>
-            </a:fillRef>
-            <a:effectRef idx="1">
-              <a:schemeClr val="accent1"/>
-            </a:effectRef>
-            <a:fontRef idx="minor">
-              <a:schemeClr val="tx1"/>
-            </a:fontRef>
-          </p:style>
-        </p:cxnSp>
-      </p:grpSp>
-      <p:sp>
-        <p:nvSpPr>
-          <p:cNvPr id="2" name="Title Placeholder 1"/>
-          <p:cNvSpPr>
-            <a:spLocks noGrp="1"/>
-          </p:cNvSpPr>
-          <p:nvPr>
-            <p:ph type="title"/>
-          </p:nvPr>
         </p:nvSpPr>
         <p:spPr>
           <a:xfrm>
-            <a:off x="684212" y="4487332"/>
-            <a:ext cx="8534400" cy="1507067"/>
+            <a:off x="0" y="2019476"/>
+            <a:ext cx="12192000" cy="4105941"/>
           </a:xfrm>
           <a:prstGeom prst="rect">
             <a:avLst/>
           </a:prstGeom>
-          <a:effectLst/>
+          <a:gradFill flip="none" rotWithShape="1">
+            <a:gsLst>
+              <a:gs pos="0">
+                <a:schemeClr val="bg2">
+                  <a:alpha val="0"/>
+                </a:schemeClr>
+              </a:gs>
+              <a:gs pos="100000">
+                <a:schemeClr val="bg2"/>
+              </a:gs>
+            </a:gsLst>
+            <a:lin ang="5400000" scaled="0"/>
+            <a:tileRect/>
+          </a:gradFill>
+          <a:ln>
+            <a:noFill/>
+          </a:ln>
         </p:spPr>
-        <p:txBody>
-          <a:bodyPr vert="horz" lIns="91440" tIns="45720" rIns="91440" bIns="45720" rtlCol="0" anchor="ctr">
-            <a:normAutofit/>
-          </a:bodyPr>
-          <a:lstStyle/>
-          <a:p>
-            <a:r>
-              <a:rPr lang="zh-CN" altLang="en-US"/>
-              <a:t>单击此处编辑母版标题样式</a:t>
-            </a:r>
-            <a:endParaRPr lang="en-US" dirty="0"/>
-          </a:p>
-        </p:txBody>
-      </p:sp>
-      <p:sp>
-        <p:nvSpPr>
-          <p:cNvPr id="3" name="Text Placeholder 2"/>
-          <p:cNvSpPr>
-            <a:spLocks noGrp="1"/>
-          </p:cNvSpPr>
-          <p:nvPr>
-            <p:ph type="body" idx="1"/>
-          </p:nvPr>
-        </p:nvSpPr>
-        <p:spPr>
+        <p:style>
+          <a:lnRef idx="2">
+            <a:schemeClr val="accent1">
+              <a:shade val="50000"/>
+            </a:schemeClr>
+          </a:lnRef>
+          <a:fillRef idx="1">
+            <a:schemeClr val="accent1"/>
+          </a:fillRef>
+          <a:effectRef idx="0">
+            <a:schemeClr val="accent1"/>
+          </a:effectRef>
+          <a:fontRef idx="minor">
+            <a:schemeClr val="lt1"/>
+          </a:fontRef>
+        </p:style>
+      </p:sp>
+      <p:pic>
+        <p:nvPicPr>
+          <p:cNvPr id="7" name="Picture 6"/>
+          <p:cNvPicPr>
+            <a:picLocks noChangeAspect="1"/>
+          </p:cNvPicPr>
+          <p:nvPr/>
+        </p:nvPicPr>
+        <p:blipFill rotWithShape="1">
+          <a:blip r:embed="rId13">
+            <a:extLst>
+              <a:ext uri="{28A0092B-C50C-407E-A947-70E740481C1C}">
+                <a14:useLocalDpi xmlns:a14="http://schemas.microsoft.com/office/drawing/2010/main" val="0"/>
+              </a:ext>
+            </a:extLst>
+          </a:blip>
+          <a:srcRect t="1538" b="-1538"/>
+          <a:stretch/>
+        </p:blipFill>
+        <p:spPr bwMode="black">
           <a:xfrm>
-            <a:off x="684212" y="685800"/>
-            <a:ext cx="8534400" cy="3615267"/>
+            <a:off x="0" y="6126480"/>
+            <a:ext cx="12192000" cy="742950"/>
           </a:xfrm>
           <a:prstGeom prst="rect">
             <a:avLst/>
           </a:prstGeom>
         </p:spPr>
-        <p:txBody>
-          <a:bodyPr vert="horz" lIns="91440" tIns="45720" rIns="91440" bIns="45720" rtlCol="0" anchor="ctr">
-            <a:normAutofit/>
-          </a:bodyPr>
-          <a:lstStyle/>
-          <a:p>
-            <a:pPr lvl="0"/>
-            <a:r>
-              <a:rPr lang="zh-CN" altLang="en-US"/>
-              <a:t>单击此处编辑母版文本样式</a:t>
-            </a:r>
-          </a:p>
-          <a:p>
-            <a:pPr lvl="1"/>
-            <a:r>
-              <a:rPr lang="zh-CN" altLang="en-US"/>
-              <a:t>二级</a:t>
-            </a:r>
-          </a:p>
-          <a:p>
-            <a:pPr lvl="2"/>
-            <a:r>
-              <a:rPr lang="zh-CN" altLang="en-US"/>
-              <a:t>三级</a:t>
-            </a:r>
-          </a:p>
-          <a:p>
-            <a:pPr lvl="3"/>
-            <a:r>
-              <a:rPr lang="zh-CN" altLang="en-US"/>
-              <a:t>四级</a:t>
-            </a:r>
-          </a:p>
-          <a:p>
-            <a:pPr lvl="4"/>
-            <a:r>
-              <a:rPr lang="zh-CN" altLang="en-US"/>
-              <a:t>五级</a:t>
-            </a:r>
-            <a:endParaRPr lang="en-US" dirty="0"/>
-          </a:p>
-        </p:txBody>
-      </p:sp>
-      <p:sp>
-        <p:nvSpPr>
-          <p:cNvPr id="4" name="Date Placeholder 3"/>
-          <p:cNvSpPr>
-            <a:spLocks noGrp="1"/>
-          </p:cNvSpPr>
-          <p:nvPr>
-            <p:ph type="dt" sz="half" idx="2"/>
+      </p:pic>
+      <p:sp>
+        <p:nvSpPr>
+          <p:cNvPr id="2" name="Title Placeholder 1"/>
+          <p:cNvSpPr>
+            <a:spLocks noGrp="1"/>
+          </p:cNvSpPr>
+          <p:nvPr>
+            <p:ph type="title"/>
           </p:nvPr>
         </p:nvSpPr>
         <p:spPr>
           <a:xfrm>
-            <a:off x="9904412" y="6172200"/>
-            <a:ext cx="1600200" cy="365125"/>
+            <a:off x="1451579" y="804519"/>
+            <a:ext cx="9603275" cy="1049235"/>
           </a:xfrm>
           <a:prstGeom prst="rect">
             <a:avLst/>
           </a:prstGeom>
         </p:spPr>
         <p:txBody>
-          <a:bodyPr vert="horz" lIns="91440" tIns="45720" rIns="91440" bIns="45720" rtlCol="0" anchor="t"/>
-          <a:lstStyle>
-            <a:lvl1pPr algn="r">
-              <a:defRPr sz="1000" b="0" i="0">
-                <a:solidFill>
-                  <a:schemeClr val="bg2">
-                    <a:lumMod val="50000"/>
-                  </a:schemeClr>
-                </a:solidFill>
-                <a:effectLst/>
-                <a:latin typeface="+mn-lt"/>
-              </a:defRPr>
-            </a:lvl1pPr>
-          </a:lstStyle>
-          <a:p>
-            <a:fld id="{DEC8F6E9-8B93-4AFB-A97F-CD8D0E606F2A}" type="datetimeFigureOut">
-              <a:rPr lang="zh-CN" altLang="en-US" smtClean="0"/>
-              <a:t>2022/7/9</a:t>
-            </a:fld>
-            <a:endParaRPr lang="zh-CN" altLang="en-US"/>
-          </a:p>
-        </p:txBody>
-      </p:sp>
-      <p:sp>
-        <p:nvSpPr>
-          <p:cNvPr id="5" name="Footer Placeholder 4"/>
-          <p:cNvSpPr>
-            <a:spLocks noGrp="1"/>
-          </p:cNvSpPr>
-          <p:nvPr>
-            <p:ph type="ftr" sz="quarter" idx="3"/>
+          <a:bodyPr vert="horz" lIns="91440" tIns="45720" rIns="91440" bIns="45720" rtlCol="0" anchor="t">
+            <a:normAutofit/>
+          </a:bodyPr>
+          <a:lstStyle/>
+          <a:p>
+            <a:r>
+              <a:rPr lang="zh-CN" altLang="en-US"/>
+              <a:t>单击此处编辑母版标题样式</a:t>
+            </a:r>
+            <a:endParaRPr lang="en-US" dirty="0"/>
+          </a:p>
+        </p:txBody>
+      </p:sp>
+      <p:sp>
+        <p:nvSpPr>
+          <p:cNvPr id="3" name="Text Placeholder 2"/>
+          <p:cNvSpPr>
+            <a:spLocks noGrp="1"/>
+          </p:cNvSpPr>
+          <p:nvPr>
+            <p:ph type="body" idx="1"/>
           </p:nvPr>
         </p:nvSpPr>
         <p:spPr>
           <a:xfrm>
-            <a:off x="684212" y="6172200"/>
-            <a:ext cx="7543800" cy="365125"/>
+            <a:off x="1451579" y="2015732"/>
+            <a:ext cx="9603275" cy="3450613"/>
           </a:xfrm>
           <a:prstGeom prst="rect">
             <a:avLst/>
           </a:prstGeom>
         </p:spPr>
         <p:txBody>
-          <a:bodyPr vert="horz" lIns="91440" tIns="45720" rIns="91440" bIns="45720" rtlCol="0" anchor="t"/>
-          <a:lstStyle>
-            <a:lvl1pPr algn="l">
-              <a:defRPr sz="1000" b="0" i="0">
-                <a:solidFill>
-                  <a:schemeClr val="bg2">
-                    <a:lumMod val="50000"/>
-                  </a:schemeClr>
-                </a:solidFill>
-                <a:effectLst/>
-                <a:latin typeface="+mn-lt"/>
-              </a:defRPr>
-            </a:lvl1pPr>
-          </a:lstStyle>
-          <a:p>
-            <a:endParaRPr lang="zh-CN" altLang="en-US"/>
-          </a:p>
-        </p:txBody>
-      </p:sp>
-      <p:sp>
-        <p:nvSpPr>
-          <p:cNvPr id="6" name="Slide Number Placeholder 5"/>
-          <p:cNvSpPr>
-            <a:spLocks noGrp="1"/>
-          </p:cNvSpPr>
-          <p:nvPr>
-            <p:ph type="sldNum" sz="quarter" idx="4"/>
+          <a:bodyPr vert="horz" lIns="91440" tIns="45720" rIns="91440" bIns="45720" rtlCol="0">
+            <a:normAutofit/>
+          </a:bodyPr>
+          <a:lstStyle/>
+          <a:p>
+            <a:pPr lvl="0"/>
+            <a:r>
+              <a:rPr lang="zh-CN" altLang="en-US"/>
+              <a:t>单击此处编辑母版文本样式</a:t>
+            </a:r>
+          </a:p>
+          <a:p>
+            <a:pPr lvl="1"/>
+            <a:r>
+              <a:rPr lang="zh-CN" altLang="en-US"/>
+              <a:t>二级</a:t>
+            </a:r>
+          </a:p>
+          <a:p>
+            <a:pPr lvl="2"/>
+            <a:r>
+              <a:rPr lang="zh-CN" altLang="en-US"/>
+              <a:t>三级</a:t>
+            </a:r>
+          </a:p>
+          <a:p>
+            <a:pPr lvl="3"/>
+            <a:r>
+              <a:rPr lang="zh-CN" altLang="en-US"/>
+              <a:t>四级</a:t>
+            </a:r>
+          </a:p>
+          <a:p>
+            <a:pPr lvl="4"/>
+            <a:r>
+              <a:rPr lang="zh-CN" altLang="en-US"/>
+              <a:t>五级</a:t>
+            </a:r>
+            <a:endParaRPr lang="en-US" dirty="0"/>
+          </a:p>
+        </p:txBody>
+      </p:sp>
+      <p:sp>
+        <p:nvSpPr>
+          <p:cNvPr id="4" name="Date Placeholder 3"/>
+          <p:cNvSpPr>
+            <a:spLocks noGrp="1"/>
+          </p:cNvSpPr>
+          <p:nvPr>
+            <p:ph type="dt" sz="half" idx="2"/>
           </p:nvPr>
         </p:nvSpPr>
         <p:spPr>
           <a:xfrm>
-            <a:off x="10363200" y="5578475"/>
-            <a:ext cx="1142245" cy="669925"/>
+            <a:off x="7554138" y="330370"/>
+            <a:ext cx="3500715" cy="309201"/>
           </a:xfrm>
           <a:prstGeom prst="rect">
             <a:avLst/>
           </a:prstGeom>
         </p:spPr>
         <p:txBody>
-          <a:bodyPr vert="horz" lIns="91440" tIns="45720" rIns="91440" bIns="45720" rtlCol="0" anchor="b"/>
+          <a:bodyPr vert="horz" lIns="91440" tIns="45720" rIns="91440" bIns="45720" rtlCol="0" anchor="ctr"/>
           <a:lstStyle>
             <a:lvl1pPr algn="r">
-              <a:defRPr sz="3200" b="0" i="0">
+              <a:defRPr sz="1000">
                 <a:solidFill>
-                  <a:schemeClr val="bg2">
-                    <a:lumMod val="50000"/>
+                  <a:schemeClr val="tx1">
+                    <a:tint val="75000"/>
                   </a:schemeClr>
                 </a:solidFill>
-                <a:effectLst/>
-                <a:latin typeface="+mn-lt"/>
+              </a:defRPr>
+            </a:lvl1pPr>
+          </a:lstStyle>
+          <a:p>
+            <a:fld id="{DEC8F6E9-8B93-4AFB-A97F-CD8D0E606F2A}" type="datetimeFigureOut">
+              <a:rPr lang="zh-CN" altLang="en-US" smtClean="0"/>
+              <a:t>2022/7/11</a:t>
+            </a:fld>
+            <a:endParaRPr lang="zh-CN" altLang="en-US"/>
+          </a:p>
+        </p:txBody>
+      </p:sp>
+      <p:sp>
+        <p:nvSpPr>
+          <p:cNvPr id="5" name="Footer Placeholder 4"/>
+          <p:cNvSpPr>
+            <a:spLocks noGrp="1"/>
+          </p:cNvSpPr>
+          <p:nvPr>
+            <p:ph type="ftr" sz="quarter" idx="3"/>
+          </p:nvPr>
+        </p:nvSpPr>
+        <p:spPr>
+          <a:xfrm>
+            <a:off x="1451579" y="329307"/>
+            <a:ext cx="5938836" cy="309201"/>
+          </a:xfrm>
+          <a:prstGeom prst="rect">
+            <a:avLst/>
+          </a:prstGeom>
+        </p:spPr>
+        <p:txBody>
+          <a:bodyPr vert="horz" lIns="91440" tIns="45720" rIns="91440" bIns="45720" rtlCol="0" anchor="ctr"/>
+          <a:lstStyle>
+            <a:lvl1pPr algn="l">
+              <a:defRPr sz="1000">
+                <a:solidFill>
+                  <a:schemeClr val="tx1">
+                    <a:tint val="75000"/>
+                  </a:schemeClr>
+                </a:solidFill>
+              </a:defRPr>
+            </a:lvl1pPr>
+          </a:lstStyle>
+          <a:p>
+            <a:endParaRPr lang="zh-CN" altLang="en-US"/>
+          </a:p>
+        </p:txBody>
+      </p:sp>
+      <p:sp>
+        <p:nvSpPr>
+          <p:cNvPr id="6" name="Slide Number Placeholder 5"/>
+          <p:cNvSpPr>
+            <a:spLocks noGrp="1"/>
+          </p:cNvSpPr>
+          <p:nvPr>
+            <p:ph type="sldNum" sz="quarter" idx="4"/>
+          </p:nvPr>
+        </p:nvSpPr>
+        <p:spPr>
+          <a:xfrm>
+            <a:off x="480060" y="798973"/>
+            <a:ext cx="811019" cy="503578"/>
+          </a:xfrm>
+          <a:prstGeom prst="rect">
+            <a:avLst/>
+          </a:prstGeom>
+        </p:spPr>
+        <p:txBody>
+          <a:bodyPr vert="horz" lIns="91440" tIns="45720" rIns="91440" bIns="45720" rtlCol="0" anchor="t"/>
+          <a:lstStyle>
+            <a:lvl1pPr algn="r">
+              <a:defRPr sz="2800">
+                <a:solidFill>
+                  <a:schemeClr val="accent1"/>
+                </a:solidFill>
               </a:defRPr>
             </a:lvl1pPr>
           </a:lstStyle>
@@ -4921,44 +3226,75 @@
           </a:p>
         </p:txBody>
       </p:sp>
+      <p:cxnSp>
+        <p:nvCxnSpPr>
+          <p:cNvPr id="10" name="Straight Connector 9"/>
+          <p:cNvCxnSpPr/>
+          <p:nvPr/>
+        </p:nvCxnSpPr>
+        <p:spPr>
+          <a:xfrm>
+            <a:off x="0" y="6128413"/>
+            <a:ext cx="12192000" cy="0"/>
+          </a:xfrm>
+          <a:prstGeom prst="line">
+            <a:avLst/>
+          </a:prstGeom>
+          <a:ln w="12700">
+            <a:solidFill>
+              <a:srgbClr val="000001">
+                <a:alpha val="20000"/>
+              </a:srgbClr>
+            </a:solidFill>
+          </a:ln>
+        </p:spPr>
+        <p:style>
+          <a:lnRef idx="1">
+            <a:schemeClr val="accent1"/>
+          </a:lnRef>
+          <a:fillRef idx="0">
+            <a:schemeClr val="accent1"/>
+          </a:fillRef>
+          <a:effectRef idx="0">
+            <a:schemeClr val="accent1"/>
+          </a:effectRef>
+          <a:fontRef idx="minor">
+            <a:schemeClr val="tx1"/>
+          </a:fontRef>
+        </p:style>
+      </p:cxnSp>
     </p:spTree>
     <p:extLst>
       <p:ext uri="{BB962C8B-B14F-4D97-AF65-F5344CB8AC3E}">
-        <p14:creationId xmlns:p14="http://schemas.microsoft.com/office/powerpoint/2010/main" val="1593241322"/>
+        <p14:creationId xmlns:p14="http://schemas.microsoft.com/office/powerpoint/2010/main" val="515689715"/>
       </p:ext>
     </p:extLst>
   </p:cSld>
-  <p:clrMap bg1="dk1" tx1="lt1" bg2="dk2" tx2="lt2" accent1="accent1" accent2="accent2" accent3="accent3" accent4="accent4" accent5="accent5" accent6="accent6" hlink="hlink" folHlink="folHlink"/>
+  <p:clrMap bg1="lt1" tx1="dk1" bg2="lt2" tx2="dk2" accent1="accent1" accent2="accent2" accent3="accent3" accent4="accent4" accent5="accent5" accent6="accent6" hlink="hlink" folHlink="folHlink"/>
   <p:sldLayoutIdLst>
-    <p:sldLayoutId id="2147483754" r:id="rId1"/>
-    <p:sldLayoutId id="2147483755" r:id="rId2"/>
-    <p:sldLayoutId id="2147483756" r:id="rId3"/>
-    <p:sldLayoutId id="2147483757" r:id="rId4"/>
-    <p:sldLayoutId id="2147483758" r:id="rId5"/>
-    <p:sldLayoutId id="2147483759" r:id="rId6"/>
-    <p:sldLayoutId id="2147483760" r:id="rId7"/>
-    <p:sldLayoutId id="2147483761" r:id="rId8"/>
-    <p:sldLayoutId id="2147483762" r:id="rId9"/>
-    <p:sldLayoutId id="2147483763" r:id="rId10"/>
-    <p:sldLayoutId id="2147483764" r:id="rId11"/>
-    <p:sldLayoutId id="2147483765" r:id="rId12"/>
-    <p:sldLayoutId id="2147483766" r:id="rId13"/>
-    <p:sldLayoutId id="2147483767" r:id="rId14"/>
-    <p:sldLayoutId id="2147483768" r:id="rId15"/>
-    <p:sldLayoutId id="2147483769" r:id="rId16"/>
-    <p:sldLayoutId id="2147483770" r:id="rId17"/>
+    <p:sldLayoutId id="2147483772" r:id="rId1"/>
+    <p:sldLayoutId id="2147483773" r:id="rId2"/>
+    <p:sldLayoutId id="2147483774" r:id="rId3"/>
+    <p:sldLayoutId id="2147483775" r:id="rId4"/>
+    <p:sldLayoutId id="2147483776" r:id="rId5"/>
+    <p:sldLayoutId id="2147483777" r:id="rId6"/>
+    <p:sldLayoutId id="2147483778" r:id="rId7"/>
+    <p:sldLayoutId id="2147483779" r:id="rId8"/>
+    <p:sldLayoutId id="2147483780" r:id="rId9"/>
+    <p:sldLayoutId id="2147483781" r:id="rId10"/>
+    <p:sldLayoutId id="2147483782" r:id="rId11"/>
   </p:sldLayoutIdLst>
   <p:txStyles>
     <p:titleStyle>
-      <a:lvl1pPr algn="l" defTabSz="457200" rtl="0" eaLnBrk="1" latinLnBrk="0" hangingPunct="1">
+      <a:lvl1pPr algn="l" defTabSz="914400" rtl="0" eaLnBrk="1" latinLnBrk="0" hangingPunct="1">
+        <a:lnSpc>
+          <a:spcPct val="90000"/>
+        </a:lnSpc>
         <a:spcBef>
           <a:spcPct val="0"/>
         </a:spcBef>
         <a:buNone/>
-        <a:defRPr sz="3600" kern="1200" cap="all">
-          <a:ln w="3175" cmpd="sng">
-            <a:noFill/>
-          </a:ln>
+        <a:defRPr sz="3200" b="0" i="0" kern="1200" cap="all">
           <a:solidFill>
             <a:schemeClr val="tx1"/>
           </a:solidFill>
@@ -4968,82 +3304,24 @@
           <a:cs typeface="+mj-cs"/>
         </a:defRPr>
       </a:lvl1pPr>
-      <a:lvl2pPr eaLnBrk="1" hangingPunct="1">
-        <a:defRPr>
-          <a:solidFill>
-            <a:schemeClr val="tx2"/>
-          </a:solidFill>
-        </a:defRPr>
-      </a:lvl2pPr>
-      <a:lvl3pPr eaLnBrk="1" hangingPunct="1">
-        <a:defRPr>
-          <a:solidFill>
-            <a:schemeClr val="tx2"/>
-          </a:solidFill>
-        </a:defRPr>
-      </a:lvl3pPr>
-      <a:lvl4pPr eaLnBrk="1" hangingPunct="1">
-        <a:defRPr>
-          <a:solidFill>
-            <a:schemeClr val="tx2"/>
-          </a:solidFill>
-        </a:defRPr>
-      </a:lvl4pPr>
-      <a:lvl5pPr eaLnBrk="1" hangingPunct="1">
-        <a:defRPr>
-          <a:solidFill>
-            <a:schemeClr val="tx2"/>
-          </a:solidFill>
-        </a:defRPr>
-      </a:lvl5pPr>
-      <a:lvl6pPr eaLnBrk="1" hangingPunct="1">
-        <a:defRPr>
-          <a:solidFill>
-            <a:schemeClr val="tx2"/>
-          </a:solidFill>
-        </a:defRPr>
-      </a:lvl6pPr>
-      <a:lvl7pPr eaLnBrk="1" hangingPunct="1">
-        <a:defRPr>
-          <a:solidFill>
-            <a:schemeClr val="tx2"/>
-          </a:solidFill>
-        </a:defRPr>
-      </a:lvl7pPr>
-      <a:lvl8pPr eaLnBrk="1" hangingPunct="1">
-        <a:defRPr>
-          <a:solidFill>
-            <a:schemeClr val="tx2"/>
-          </a:solidFill>
-        </a:defRPr>
-      </a:lvl8pPr>
-      <a:lvl9pPr eaLnBrk="1" hangingPunct="1">
-        <a:defRPr>
-          <a:solidFill>
-            <a:schemeClr val="tx2"/>
-          </a:solidFill>
-        </a:defRPr>
-      </a:lvl9pPr>
     </p:titleStyle>
     <p:bodyStyle>
-      <a:lvl1pPr marL="285750" indent="-285750" algn="l" defTabSz="457200" rtl="0" eaLnBrk="1" latinLnBrk="0" hangingPunct="1">
+      <a:lvl1pPr marL="228600" indent="-228600" algn="l" defTabSz="914400" rtl="0" eaLnBrk="1" latinLnBrk="0" hangingPunct="1">
+        <a:lnSpc>
+          <a:spcPct val="120000"/>
+        </a:lnSpc>
         <a:spcBef>
-          <a:spcPct val="20000"/>
+          <a:spcPts val="1000"/>
         </a:spcBef>
-        <a:spcAft>
-          <a:spcPts val="600"/>
-        </a:spcAft>
         <a:buClr>
-          <a:schemeClr val="tx1"/>
+          <a:schemeClr val="accent1"/>
         </a:buClr>
-        <a:buSzPct val="80000"/>
-        <a:buFont typeface="Wingdings 3" panose="05040102010807070707" pitchFamily="18" charset="2"/>
-        <a:buChar char=""/>
-        <a:defRPr sz="2000" kern="1200" cap="none">
+        <a:buSzPct val="100000"/>
+        <a:buFont typeface="Arial" panose="020B0604020202020204" pitchFamily="34" charset="0"/>
+        <a:buChar char="•"/>
+        <a:defRPr sz="2000" kern="1200">
           <a:solidFill>
-            <a:schemeClr val="bg2">
-              <a:lumMod val="75000"/>
-            </a:schemeClr>
+            <a:schemeClr val="tx1"/>
           </a:solidFill>
           <a:effectLst/>
           <a:latin typeface="+mn-lt"/>
@@ -5051,24 +3329,22 @@
           <a:cs typeface="+mn-cs"/>
         </a:defRPr>
       </a:lvl1pPr>
-      <a:lvl2pPr marL="742950" indent="-285750" algn="l" defTabSz="457200" rtl="0" eaLnBrk="1" latinLnBrk="0" hangingPunct="1">
+      <a:lvl2pPr marL="685800" indent="-228600" algn="l" defTabSz="914400" rtl="0" eaLnBrk="1" latinLnBrk="0" hangingPunct="1">
+        <a:lnSpc>
+          <a:spcPct val="120000"/>
+        </a:lnSpc>
         <a:spcBef>
-          <a:spcPct val="20000"/>
+          <a:spcPts val="500"/>
         </a:spcBef>
-        <a:spcAft>
-          <a:spcPts val="600"/>
-        </a:spcAft>
         <a:buClr>
-          <a:schemeClr val="tx1"/>
+          <a:schemeClr val="accent1"/>
         </a:buClr>
-        <a:buSzPct val="80000"/>
-        <a:buFont typeface="Wingdings 3" panose="05040102010807070707" pitchFamily="18" charset="2"/>
-        <a:buChar char=""/>
-        <a:defRPr sz="1800" kern="1200" cap="none">
+        <a:buSzPct val="100000"/>
+        <a:buFont typeface="Arial" panose="020B0604020202020204" pitchFamily="34" charset="0"/>
+        <a:buChar char="•"/>
+        <a:defRPr sz="1800" kern="1200" cap="none" baseline="0">
           <a:solidFill>
-            <a:schemeClr val="bg2">
-              <a:lumMod val="75000"/>
-            </a:schemeClr>
+            <a:schemeClr val="tx1"/>
           </a:solidFill>
           <a:effectLst/>
           <a:latin typeface="+mn-lt"/>
@@ -5076,24 +3352,22 @@
           <a:cs typeface="+mn-cs"/>
         </a:defRPr>
       </a:lvl2pPr>
-      <a:lvl3pPr marL="1200150" indent="-285750" algn="l" defTabSz="457200" rtl="0" eaLnBrk="1" latinLnBrk="0" hangingPunct="1">
+      <a:lvl3pPr marL="1143000" indent="-228600" algn="l" defTabSz="914400" rtl="0" eaLnBrk="1" latinLnBrk="0" hangingPunct="1">
+        <a:lnSpc>
+          <a:spcPct val="120000"/>
+        </a:lnSpc>
         <a:spcBef>
-          <a:spcPct val="20000"/>
+          <a:spcPts val="500"/>
         </a:spcBef>
-        <a:spcAft>
-          <a:spcPts val="600"/>
-        </a:spcAft>
         <a:buClr>
-          <a:schemeClr val="tx1"/>
+          <a:schemeClr val="accent1"/>
         </a:buClr>
-        <a:buSzPct val="80000"/>
-        <a:buFont typeface="Wingdings 3" panose="05040102010807070707" pitchFamily="18" charset="2"/>
-        <a:buChar char=""/>
-        <a:defRPr sz="1600" kern="1200" cap="none">
+        <a:buSzPct val="100000"/>
+        <a:buFont typeface="Arial" panose="020B0604020202020204" pitchFamily="34" charset="0"/>
+        <a:buChar char="•"/>
+        <a:defRPr sz="1600" kern="1200">
           <a:solidFill>
-            <a:schemeClr val="bg2">
-              <a:lumMod val="75000"/>
-            </a:schemeClr>
+            <a:schemeClr val="tx1"/>
           </a:solidFill>
           <a:effectLst/>
           <a:latin typeface="+mn-lt"/>
@@ -5101,24 +3375,22 @@
           <a:cs typeface="+mn-cs"/>
         </a:defRPr>
       </a:lvl3pPr>
-      <a:lvl4pPr marL="1543050" indent="-171450" algn="l" defTabSz="457200" rtl="0" eaLnBrk="1" latinLnBrk="0" hangingPunct="1">
+      <a:lvl4pPr marL="1600200" indent="-228600" algn="l" defTabSz="914400" rtl="0" eaLnBrk="1" latinLnBrk="0" hangingPunct="1">
+        <a:lnSpc>
+          <a:spcPct val="120000"/>
+        </a:lnSpc>
         <a:spcBef>
-          <a:spcPct val="20000"/>
+          <a:spcPts val="500"/>
         </a:spcBef>
-        <a:spcAft>
-          <a:spcPts val="600"/>
-        </a:spcAft>
         <a:buClr>
-          <a:schemeClr val="tx1"/>
+          <a:schemeClr val="accent1"/>
         </a:buClr>
-        <a:buSzPct val="80000"/>
-        <a:buFont typeface="Wingdings 3" panose="05040102010807070707" pitchFamily="18" charset="2"/>
-        <a:buChar char=""/>
-        <a:defRPr sz="1400" kern="1200" cap="none">
+        <a:buSzPct val="100000"/>
+        <a:buFont typeface="Arial" panose="020B0604020202020204" pitchFamily="34" charset="0"/>
+        <a:buChar char="•"/>
+        <a:defRPr sz="1400" kern="1200" cap="none" baseline="0">
           <a:solidFill>
-            <a:schemeClr val="bg2">
-              <a:lumMod val="75000"/>
-            </a:schemeClr>
+            <a:schemeClr val="tx1"/>
           </a:solidFill>
           <a:effectLst/>
           <a:latin typeface="+mn-lt"/>
@@ -5126,24 +3398,22 @@
           <a:cs typeface="+mn-cs"/>
         </a:defRPr>
       </a:lvl4pPr>
-      <a:lvl5pPr marL="2000250" indent="-171450" algn="l" defTabSz="457200" rtl="0" eaLnBrk="1" latinLnBrk="0" hangingPunct="1">
+      <a:lvl5pPr marL="2057400" indent="-228600" algn="l" defTabSz="914400" rtl="0" eaLnBrk="1" latinLnBrk="0" hangingPunct="1">
+        <a:lnSpc>
+          <a:spcPct val="120000"/>
+        </a:lnSpc>
         <a:spcBef>
-          <a:spcPct val="20000"/>
+          <a:spcPts val="500"/>
         </a:spcBef>
-        <a:spcAft>
-          <a:spcPts val="600"/>
-        </a:spcAft>
         <a:buClr>
-          <a:schemeClr val="tx1"/>
+          <a:schemeClr val="accent1"/>
         </a:buClr>
-        <a:buSzPct val="80000"/>
-        <a:buFont typeface="Wingdings 3" panose="05040102010807070707" pitchFamily="18" charset="2"/>
-        <a:buChar char=""/>
-        <a:defRPr sz="1400" kern="1200" cap="none">
+        <a:buSzPct val="100000"/>
+        <a:buFont typeface="Arial" panose="020B0604020202020204" pitchFamily="34" charset="0"/>
+        <a:buChar char="•"/>
+        <a:defRPr sz="1200" kern="1200">
           <a:solidFill>
-            <a:schemeClr val="bg2">
-              <a:lumMod val="75000"/>
-            </a:schemeClr>
+            <a:schemeClr val="tx1"/>
           </a:solidFill>
           <a:effectLst/>
           <a:latin typeface="+mn-lt"/>
@@ -5151,24 +3421,22 @@
           <a:cs typeface="+mn-cs"/>
         </a:defRPr>
       </a:lvl5pPr>
-      <a:lvl6pPr marL="2514600" indent="-228600" algn="l" defTabSz="457200" rtl="0" eaLnBrk="1" latinLnBrk="0" hangingPunct="1">
+      <a:lvl6pPr marL="2514600" indent="-228600" algn="l" defTabSz="914400" rtl="0" eaLnBrk="1" latinLnBrk="0" hangingPunct="1">
+        <a:lnSpc>
+          <a:spcPct val="120000"/>
+        </a:lnSpc>
         <a:spcBef>
-          <a:spcPct val="20000"/>
+          <a:spcPts val="500"/>
         </a:spcBef>
-        <a:spcAft>
-          <a:spcPts val="600"/>
-        </a:spcAft>
         <a:buClr>
-          <a:schemeClr val="tx1"/>
+          <a:schemeClr val="accent1"/>
         </a:buClr>
-        <a:buSzPct val="80000"/>
-        <a:buFont typeface="Wingdings 3" panose="05040102010807070707" pitchFamily="18" charset="2"/>
-        <a:buChar char=""/>
-        <a:defRPr sz="1400" kern="1200" cap="none">
+        <a:buSzPct val="100000"/>
+        <a:buFont typeface="Arial" panose="020B0604020202020204" pitchFamily="34" charset="0"/>
+        <a:buChar char="•"/>
+        <a:defRPr sz="1200" kern="1200">
           <a:solidFill>
-            <a:schemeClr val="bg2">
-              <a:lumMod val="75000"/>
-            </a:schemeClr>
+            <a:schemeClr val="tx1"/>
           </a:solidFill>
           <a:effectLst/>
           <a:latin typeface="+mn-lt"/>
@@ -5176,24 +3444,22 @@
           <a:cs typeface="+mn-cs"/>
         </a:defRPr>
       </a:lvl6pPr>
-      <a:lvl7pPr marL="2971800" indent="-228600" algn="l" defTabSz="457200" rtl="0" eaLnBrk="1" latinLnBrk="0" hangingPunct="1">
+      <a:lvl7pPr marL="2971800" indent="-228600" algn="l" defTabSz="914400" rtl="0" eaLnBrk="1" latinLnBrk="0" hangingPunct="1">
+        <a:lnSpc>
+          <a:spcPct val="120000"/>
+        </a:lnSpc>
         <a:spcBef>
-          <a:spcPct val="20000"/>
+          <a:spcPts val="500"/>
         </a:spcBef>
-        <a:spcAft>
-          <a:spcPts val="600"/>
-        </a:spcAft>
         <a:buClr>
-          <a:schemeClr val="tx1"/>
+          <a:schemeClr val="accent1"/>
         </a:buClr>
-        <a:buSzPct val="80000"/>
-        <a:buFont typeface="Wingdings 3" panose="05040102010807070707" pitchFamily="18" charset="2"/>
-        <a:buChar char=""/>
-        <a:defRPr sz="1400" kern="1200" cap="none">
+        <a:buSzPct val="100000"/>
+        <a:buFont typeface="Arial" panose="020B0604020202020204" pitchFamily="34" charset="0"/>
+        <a:buChar char="•"/>
+        <a:defRPr sz="1200" kern="1200">
           <a:solidFill>
-            <a:schemeClr val="bg2">
-              <a:lumMod val="75000"/>
-            </a:schemeClr>
+            <a:schemeClr val="tx1"/>
           </a:solidFill>
           <a:effectLst/>
           <a:latin typeface="+mn-lt"/>
@@ -5201,24 +3467,22 @@
           <a:cs typeface="+mn-cs"/>
         </a:defRPr>
       </a:lvl7pPr>
-      <a:lvl8pPr marL="3429000" indent="-228600" algn="l" defTabSz="457200" rtl="0" eaLnBrk="1" latinLnBrk="0" hangingPunct="1">
+      <a:lvl8pPr marL="3429000" indent="-228600" algn="l" defTabSz="914400" rtl="0" eaLnBrk="1" latinLnBrk="0" hangingPunct="1">
+        <a:lnSpc>
+          <a:spcPct val="120000"/>
+        </a:lnSpc>
         <a:spcBef>
-          <a:spcPct val="20000"/>
+          <a:spcPts val="500"/>
         </a:spcBef>
-        <a:spcAft>
-          <a:spcPts val="600"/>
-        </a:spcAft>
         <a:buClr>
-          <a:schemeClr val="tx1"/>
+          <a:schemeClr val="accent1"/>
         </a:buClr>
-        <a:buSzPct val="80000"/>
-        <a:buFont typeface="Wingdings 3" panose="05040102010807070707" pitchFamily="18" charset="2"/>
-        <a:buChar char=""/>
-        <a:defRPr sz="1400" kern="1200" cap="none">
+        <a:buSzPct val="100000"/>
+        <a:buFont typeface="Arial" panose="020B0604020202020204" pitchFamily="34" charset="0"/>
+        <a:buChar char="•"/>
+        <a:defRPr sz="1200" kern="1200" baseline="0">
           <a:solidFill>
-            <a:schemeClr val="bg2">
-              <a:lumMod val="75000"/>
-            </a:schemeClr>
+            <a:schemeClr val="tx1"/>
           </a:solidFill>
           <a:effectLst/>
           <a:latin typeface="+mn-lt"/>
@@ -5226,24 +3490,22 @@
           <a:cs typeface="+mn-cs"/>
         </a:defRPr>
       </a:lvl8pPr>
-      <a:lvl9pPr marL="3886200" indent="-228600" algn="l" defTabSz="457200" rtl="0" eaLnBrk="1" latinLnBrk="0" hangingPunct="1">
+      <a:lvl9pPr marL="3886200" indent="-228600" algn="l" defTabSz="914400" rtl="0" eaLnBrk="1" latinLnBrk="0" hangingPunct="1">
+        <a:lnSpc>
+          <a:spcPct val="120000"/>
+        </a:lnSpc>
         <a:spcBef>
-          <a:spcPct val="20000"/>
+          <a:spcPts val="500"/>
         </a:spcBef>
-        <a:spcAft>
-          <a:spcPts val="600"/>
-        </a:spcAft>
         <a:buClr>
-          <a:schemeClr val="tx1"/>
+          <a:schemeClr val="accent1"/>
         </a:buClr>
-        <a:buSzPct val="80000"/>
-        <a:buFont typeface="Wingdings 3" panose="05040102010807070707" pitchFamily="18" charset="2"/>
-        <a:buChar char=""/>
-        <a:defRPr sz="1400" kern="1200" cap="none">
+        <a:buSzPct val="100000"/>
+        <a:buFont typeface="Arial" panose="020B0604020202020204" pitchFamily="34" charset="0"/>
+        <a:buChar char="•"/>
+        <a:defRPr sz="1200" kern="1200" baseline="0">
           <a:solidFill>
-            <a:schemeClr val="bg2">
-              <a:lumMod val="75000"/>
-            </a:schemeClr>
+            <a:schemeClr val="tx1"/>
           </a:solidFill>
           <a:effectLst/>
           <a:latin typeface="+mn-lt"/>
@@ -5256,7 +3518,7 @@
       <a:defPPr>
         <a:defRPr lang="en-US"/>
       </a:defPPr>
-      <a:lvl1pPr marL="0" algn="l" defTabSz="457200" rtl="0" eaLnBrk="1" latinLnBrk="0" hangingPunct="1">
+      <a:lvl1pPr marL="0" algn="l" defTabSz="914400" rtl="0" eaLnBrk="1" latinLnBrk="0" hangingPunct="1">
         <a:defRPr sz="1800" kern="1200">
           <a:solidFill>
             <a:schemeClr val="tx1"/>
@@ -5266,7 +3528,7 @@
           <a:cs typeface="+mn-cs"/>
         </a:defRPr>
       </a:lvl1pPr>
-      <a:lvl2pPr marL="457200" algn="l" defTabSz="457200" rtl="0" eaLnBrk="1" latinLnBrk="0" hangingPunct="1">
+      <a:lvl2pPr marL="457200" algn="l" defTabSz="914400" rtl="0" eaLnBrk="1" latinLnBrk="0" hangingPunct="1">
         <a:defRPr sz="1800" kern="1200">
           <a:solidFill>
             <a:schemeClr val="tx1"/>
@@ -5276,7 +3538,7 @@
           <a:cs typeface="+mn-cs"/>
         </a:defRPr>
       </a:lvl2pPr>
-      <a:lvl3pPr marL="914400" algn="l" defTabSz="457200" rtl="0" eaLnBrk="1" latinLnBrk="0" hangingPunct="1">
+      <a:lvl3pPr marL="914400" algn="l" defTabSz="914400" rtl="0" eaLnBrk="1" latinLnBrk="0" hangingPunct="1">
         <a:defRPr sz="1800" kern="1200">
           <a:solidFill>
             <a:schemeClr val="tx1"/>
@@ -5286,7 +3548,7 @@
           <a:cs typeface="+mn-cs"/>
         </a:defRPr>
       </a:lvl3pPr>
-      <a:lvl4pPr marL="1371600" algn="l" defTabSz="457200" rtl="0" eaLnBrk="1" latinLnBrk="0" hangingPunct="1">
+      <a:lvl4pPr marL="1371600" algn="l" defTabSz="914400" rtl="0" eaLnBrk="1" latinLnBrk="0" hangingPunct="1">
         <a:defRPr sz="1800" kern="1200">
           <a:solidFill>
             <a:schemeClr val="tx1"/>
@@ -5296,7 +3558,7 @@
           <a:cs typeface="+mn-cs"/>
         </a:defRPr>
       </a:lvl4pPr>
-      <a:lvl5pPr marL="1828800" algn="l" defTabSz="457200" rtl="0" eaLnBrk="1" latinLnBrk="0" hangingPunct="1">
+      <a:lvl5pPr marL="1828800" algn="l" defTabSz="914400" rtl="0" eaLnBrk="1" latinLnBrk="0" hangingPunct="1">
         <a:defRPr sz="1800" kern="1200">
           <a:solidFill>
             <a:schemeClr val="tx1"/>
@@ -5306,7 +3568,7 @@
           <a:cs typeface="+mn-cs"/>
         </a:defRPr>
       </a:lvl5pPr>
-      <a:lvl6pPr marL="2286000" algn="l" defTabSz="457200" rtl="0" eaLnBrk="1" latinLnBrk="0" hangingPunct="1">
+      <a:lvl6pPr marL="2286000" algn="l" defTabSz="914400" rtl="0" eaLnBrk="1" latinLnBrk="0" hangingPunct="1">
         <a:defRPr sz="1800" kern="1200">
           <a:solidFill>
             <a:schemeClr val="tx1"/>
@@ -5316,7 +3578,7 @@
           <a:cs typeface="+mn-cs"/>
         </a:defRPr>
       </a:lvl6pPr>
-      <a:lvl7pPr marL="2743200" algn="l" defTabSz="457200" rtl="0" eaLnBrk="1" latinLnBrk="0" hangingPunct="1">
+      <a:lvl7pPr marL="2743200" algn="l" defTabSz="914400" rtl="0" eaLnBrk="1" latinLnBrk="0" hangingPunct="1">
         <a:defRPr sz="1800" kern="1200">
           <a:solidFill>
             <a:schemeClr val="tx1"/>
@@ -5326,7 +3588,7 @@
           <a:cs typeface="+mn-cs"/>
         </a:defRPr>
       </a:lvl7pPr>
-      <a:lvl8pPr marL="3200400" algn="l" defTabSz="457200" rtl="0" eaLnBrk="1" latinLnBrk="0" hangingPunct="1">
+      <a:lvl8pPr marL="3200400" algn="l" defTabSz="914400" rtl="0" eaLnBrk="1" latinLnBrk="0" hangingPunct="1">
         <a:defRPr sz="1800" kern="1200">
           <a:solidFill>
             <a:schemeClr val="tx1"/>
@@ -5336,7 +3598,7 @@
           <a:cs typeface="+mn-cs"/>
         </a:defRPr>
       </a:lvl8pPr>
-      <a:lvl9pPr marL="3657600" algn="l" defTabSz="457200" rtl="0" eaLnBrk="1" latinLnBrk="0" hangingPunct="1">
+      <a:lvl9pPr marL="3657600" algn="l" defTabSz="914400" rtl="0" eaLnBrk="1" latinLnBrk="0" hangingPunct="1">
         <a:defRPr sz="1800" kern="1200">
           <a:solidFill>
             <a:schemeClr val="tx1"/>
@@ -5476,7 +3738,7 @@
         </p:nvSpPr>
         <p:spPr>
           <a:xfrm>
-            <a:off x="492572" y="5286748"/>
+            <a:off x="973339" y="1223739"/>
             <a:ext cx="8534400" cy="1507067"/>
           </a:xfrm>
         </p:spPr>
@@ -5509,13 +3771,13 @@
         </p:nvSpPr>
         <p:spPr>
           <a:xfrm>
-            <a:off x="684212" y="685799"/>
-            <a:ext cx="8534400" cy="5025093"/>
+            <a:off x="1051857" y="1977273"/>
+            <a:ext cx="8534400" cy="4074736"/>
           </a:xfrm>
         </p:spPr>
         <p:txBody>
           <a:bodyPr>
-            <a:normAutofit/>
+            <a:normAutofit fontScale="92500" lnSpcReduction="20000"/>
           </a:bodyPr>
           <a:lstStyle/>
           <a:p>
@@ -5970,7 +4232,12 @@
             <p:ph type="title"/>
           </p:nvPr>
         </p:nvSpPr>
-        <p:spPr/>
+        <p:spPr>
+          <a:xfrm>
+            <a:off x="1432725" y="1021335"/>
+            <a:ext cx="9603275" cy="1049235"/>
+          </a:xfrm>
+        </p:spPr>
         <p:txBody>
           <a:bodyPr/>
           <a:lstStyle/>
@@ -6000,8 +4267,8 @@
         </p:nvSpPr>
         <p:spPr>
           <a:xfrm>
-            <a:off x="640408" y="99927"/>
-            <a:ext cx="8534400" cy="5140078"/>
+            <a:off x="998626" y="1853754"/>
+            <a:ext cx="10822586" cy="5140078"/>
           </a:xfrm>
         </p:spPr>
         <p:txBody>
@@ -6073,7 +4340,7 @@
           <a:p>
             <a:r>
               <a:rPr lang="zh-CN" altLang="en-US" dirty="0"/>
-              <a:t>最后感谢后端各位组员对我的帮助，感谢前端组员的积极合作，感谢曹老师的指导。</a:t>
+              <a:t>最后感谢后端各位组员对我的帮助，感谢前端组员的积极合作，感谢各老师的指导。</a:t>
             </a:r>
             <a:endParaRPr lang="en-US" altLang="zh-CN" dirty="0"/>
           </a:p>
@@ -6176,9 +4443,9 @@
 </file>
 
 <file path=ppt/theme/theme1.xml><?xml version="1.0" encoding="utf-8"?>
-<a:theme xmlns:a="http://schemas.openxmlformats.org/drawingml/2006/main" name="切片">
+<a:theme xmlns:a="http://schemas.openxmlformats.org/drawingml/2006/main" name="画廊">
   <a:themeElements>
-    <a:clrScheme name="切片">
+    <a:clrScheme name="画廊">
       <a:dk1>
         <a:sysClr val="windowText" lastClr="000000"/>
       </a:dk1>
@@ -6186,48 +4453,83 @@
         <a:sysClr val="window" lastClr="FFFFFF"/>
       </a:lt1>
       <a:dk2>
-        <a:srgbClr val="146194"/>
+        <a:srgbClr val="454545"/>
       </a:dk2>
       <a:lt2>
-        <a:srgbClr val="76DBF4"/>
+        <a:srgbClr val="DFDBD5"/>
       </a:lt2>
       <a:accent1>
-        <a:srgbClr val="052F61"/>
+        <a:srgbClr val="B71E42"/>
       </a:accent1>
       <a:accent2>
-        <a:srgbClr val="A50E82"/>
+        <a:srgbClr val="DE478E"/>
       </a:accent2>
       <a:accent3>
-        <a:srgbClr val="14967C"/>
+        <a:srgbClr val="BC72F0"/>
       </a:accent3>
       <a:accent4>
-        <a:srgbClr val="6A9E1F"/>
+        <a:srgbClr val="795FAF"/>
       </a:accent4>
       <a:accent5>
-        <a:srgbClr val="E87D37"/>
+        <a:srgbClr val="586EA6"/>
       </a:accent5>
       <a:accent6>
-        <a:srgbClr val="C62324"/>
+        <a:srgbClr val="6892A0"/>
       </a:accent6>
       <a:hlink>
-        <a:srgbClr val="0D2E46"/>
+        <a:srgbClr val="FA2B5C"/>
       </a:hlink>
       <a:folHlink>
-        <a:srgbClr val="356A95"/>
+        <a:srgbClr val="BC658E"/>
       </a:folHlink>
     </a:clrScheme>
-    <a:fontScheme name="切片">
+    <a:fontScheme name="画廊">
       <a:majorFont>
-        <a:latin typeface="Century Gothic" panose="020B0502020202020204"/>
+        <a:latin typeface="Gill Sans MT" panose="020B0502020104020203"/>
         <a:ea typeface=""/>
         <a:cs typeface=""/>
-        <a:font script="Jpan" typeface="メイリオ"/>
-        <a:font script="Hang" typeface="HY중고딕"/>
-        <a:font script="Hans" typeface="幼圆"/>
-        <a:font script="Hant" typeface="微軟正黑體"/>
-        <a:font script="Arab" typeface="Tahoma"/>
-        <a:font script="Hebr" typeface="Gisha"/>
-        <a:font script="Thai" typeface="DilleniaUPC"/>
+        <a:font script="Jpan" typeface="游ゴシック Light"/>
+        <a:font script="Hang" typeface="맑은 고딕"/>
+        <a:font script="Hans" typeface="等线 Light"/>
+        <a:font script="Hant" typeface="新細明體"/>
+        <a:font script="Arab" typeface="Times New Roman"/>
+        <a:font script="Hebr" typeface="Times New Roman"/>
+        <a:font script="Thai" typeface="Angsana New"/>
+        <a:font script="Ethi" typeface="Nyala"/>
+        <a:font script="Beng" typeface="Vrinda"/>
+        <a:font script="Gujr" typeface="Shruti"/>
+        <a:font script="Khmr" typeface="MoolBoran"/>
+        <a:font script="Knda" typeface="Tunga"/>
+        <a:font script="Guru" typeface="Raavi"/>
+        <a:font script="Cans" typeface="Euphemia"/>
+        <a:font script="Cher" typeface="Plantagenet Cherokee"/>
+        <a:font script="Yiii" typeface="Microsoft Yi Baiti"/>
+        <a:font script="Tibt" typeface="Microsoft Himalaya"/>
+        <a:font script="Thaa" typeface="MV Boli"/>
+        <a:font script="Deva" typeface="Mangal"/>
+        <a:font script="Telu" typeface="Gautami"/>
+        <a:font script="Taml" typeface="Latha"/>
+        <a:font script="Syrc" typeface="Estrangelo Edessa"/>
+        <a:font script="Orya" typeface="Kalinga"/>
+        <a:font script="Mlym" typeface="Kartika"/>
+        <a:font script="Laoo" typeface="DokChampa"/>
+        <a:font script="Sinh" typeface="Iskoola Pota"/>
+        <a:font script="Mong" typeface="Mongolian Baiti"/>
+        <a:font script="Viet" typeface="Times New Roman"/>
+        <a:font script="Uigh" typeface="Microsoft Uighur"/>
+        <a:font script="Geor" typeface="Sylfaen"/>
+      </a:majorFont>
+      <a:minorFont>
+        <a:latin typeface="Gill Sans MT" panose="020B0502020104020203"/>
+        <a:ea typeface=""/>
+        <a:cs typeface=""/>
+        <a:font script="Jpan" typeface="游ゴシック"/>
+        <a:font script="Hang" typeface="맑은 고딕"/>
+        <a:font script="Hans" typeface="等线"/>
+        <a:font script="Hant" typeface="新細明體"/>
+        <a:font script="Arab" typeface="Arial"/>
+        <a:font script="Hebr" typeface="Arial"/>
+        <a:font script="Thai" typeface="Cordia New"/>
         <a:font script="Ethi" typeface="Nyala"/>
         <a:font script="Beng" typeface="Vrinda"/>
         <a:font script="Gujr" typeface="Shruti"/>
@@ -6248,47 +4550,12 @@
         <a:font script="Laoo" typeface="DokChampa"/>
         <a:font script="Sinh" typeface="Iskoola Pota"/>
         <a:font script="Mong" typeface="Mongolian Baiti"/>
-        <a:font script="Viet" typeface="Tahoma"/>
-        <a:font script="Uigh" typeface="Microsoft Uighur"/>
-        <a:font script="Geor" typeface="Sylfaen"/>
-      </a:majorFont>
-      <a:minorFont>
-        <a:latin typeface="Century Gothic" panose="020B0502020202020204"/>
-        <a:ea typeface=""/>
-        <a:cs typeface=""/>
-        <a:font script="Jpan" typeface="メイリオ"/>
-        <a:font script="Hang" typeface="HY중고딕"/>
-        <a:font script="Hans" typeface="幼圆"/>
-        <a:font script="Hant" typeface="微軟正黑體"/>
-        <a:font script="Arab" typeface="Tahoma"/>
-        <a:font script="Hebr" typeface="Gisha"/>
-        <a:font script="Thai" typeface="DilleniaUPC"/>
-        <a:font script="Ethi" typeface="Nyala"/>
-        <a:font script="Beng" typeface="Vrinda"/>
-        <a:font script="Gujr" typeface="Shruti"/>
-        <a:font script="Khmr" typeface="DaunPenh"/>
-        <a:font script="Knda" typeface="Tunga"/>
-        <a:font script="Guru" typeface="Raavi"/>
-        <a:font script="Cans" typeface="Euphemia"/>
-        <a:font script="Cher" typeface="Plantagenet Cherokee"/>
-        <a:font script="Yiii" typeface="Microsoft Yi Baiti"/>
-        <a:font script="Tibt" typeface="Microsoft Himalaya"/>
-        <a:font script="Thaa" typeface="MV Boli"/>
-        <a:font script="Deva" typeface="Mangal"/>
-        <a:font script="Telu" typeface="Gautami"/>
-        <a:font script="Taml" typeface="Latha"/>
-        <a:font script="Syrc" typeface="Estrangelo Edessa"/>
-        <a:font script="Orya" typeface="Kalinga"/>
-        <a:font script="Mlym" typeface="Kartika"/>
-        <a:font script="Laoo" typeface="DokChampa"/>
-        <a:font script="Sinh" typeface="Iskoola Pota"/>
-        <a:font script="Mong" typeface="Mongolian Baiti"/>
-        <a:font script="Viet" typeface="Tahoma"/>
+        <a:font script="Viet" typeface="Arial"/>
         <a:font script="Uigh" typeface="Microsoft Uighur"/>
         <a:font script="Geor" typeface="Sylfaen"/>
       </a:minorFont>
     </a:fontScheme>
-    <a:fmtScheme name="切片">
+    <a:fmtScheme name="画廊">
       <a:fillStyleLst>
         <a:solidFill>
           <a:schemeClr val="phClr"/>
@@ -6297,16 +4564,18 @@
           <a:gsLst>
             <a:gs pos="0">
               <a:schemeClr val="phClr">
-                <a:tint val="62000"/>
-                <a:hueMod val="94000"/>
-                <a:satMod val="140000"/>
+                <a:tint val="54000"/>
+                <a:alpha val="100000"/>
+                <a:satMod val="105000"/>
                 <a:lumMod val="110000"/>
               </a:schemeClr>
             </a:gs>
             <a:gs pos="100000">
               <a:schemeClr val="phClr">
-                <a:tint val="84000"/>
-                <a:satMod val="160000"/>
+                <a:tint val="78000"/>
+                <a:alpha val="92000"/>
+                <a:satMod val="109000"/>
+                <a:lumMod val="100000"/>
               </a:schemeClr>
             </a:gs>
           </a:gsLst>
@@ -6317,15 +4586,22 @@
             <a:gs pos="0">
               <a:schemeClr val="phClr">
                 <a:tint val="98000"/>
-                <a:hueMod val="94000"/>
+                <a:satMod val="110000"/>
+                <a:lumMod val="104000"/>
+              </a:schemeClr>
+            </a:gs>
+            <a:gs pos="69000">
+              <a:schemeClr val="phClr">
+                <a:shade val="88000"/>
                 <a:satMod val="130000"/>
-                <a:lumMod val="128000"/>
+                <a:lumMod val="92000"/>
               </a:schemeClr>
             </a:gs>
             <a:gs pos="100000">
               <a:schemeClr val="phClr">
-                <a:shade val="94000"/>
-                <a:lumMod val="88000"/>
+                <a:shade val="78000"/>
+                <a:satMod val="130000"/>
+                <a:lumMod val="92000"/>
               </a:schemeClr>
             </a:gs>
           </a:gsLst>
@@ -6333,25 +4609,19 @@
         </a:gradFill>
       </a:fillStyleLst>
       <a:lnStyleLst>
-        <a:ln w="9525" cap="rnd" cmpd="sng" algn="ctr">
+        <a:ln w="9525" cap="flat" cmpd="sng" algn="ctr">
           <a:solidFill>
-            <a:schemeClr val="phClr">
-              <a:tint val="76000"/>
-              <a:alpha val="60000"/>
-              <a:hueMod val="94000"/>
-            </a:schemeClr>
+            <a:schemeClr val="phClr"/>
           </a:solidFill>
           <a:prstDash val="solid"/>
         </a:ln>
-        <a:ln w="15875" cap="rnd" cmpd="sng" algn="ctr">
+        <a:ln w="15875" cap="flat" cmpd="sng" algn="ctr">
           <a:solidFill>
-            <a:schemeClr val="phClr">
-              <a:hueMod val="94000"/>
-            </a:schemeClr>
+            <a:schemeClr val="phClr"/>
           </a:solidFill>
           <a:prstDash val="solid"/>
         </a:ln>
-        <a:ln w="28575" cap="rnd" cmpd="sng" algn="ctr">
+        <a:ln w="22225" cap="flat" cmpd="sng" algn="ctr">
           <a:solidFill>
             <a:schemeClr val="phClr"/>
           </a:solidFill>
@@ -6363,19 +4633,13 @@
           <a:effectLst/>
         </a:effectStyle>
         <a:effectStyle>
-          <a:effectLst>
-            <a:innerShdw blurRad="25400" dist="12700" dir="13500000">
-              <a:srgbClr val="000000">
-                <a:alpha val="45000"/>
-              </a:srgbClr>
-            </a:innerShdw>
-          </a:effectLst>
+          <a:effectLst/>
         </a:effectStyle>
         <a:effectStyle>
           <a:effectLst>
-            <a:outerShdw blurRad="50800" dist="38100" dir="5400000" rotWithShape="0">
+            <a:outerShdw blurRad="50800" dist="50800" dir="5400000" sx="96000" sy="96000" rotWithShape="0">
               <a:srgbClr val="000000">
-                <a:alpha val="46000"/>
+                <a:alpha val="48000"/>
               </a:srgbClr>
             </a:outerShdw>
           </a:effectLst>
@@ -6383,10 +4647,12 @@
             <a:camera prst="orthographicFront">
               <a:rot lat="0" lon="0" rev="0"/>
             </a:camera>
-            <a:lightRig rig="threePt" dir="t"/>
+            <a:lightRig rig="balanced" dir="t">
+              <a:rot lat="0" lon="0" rev="1080000"/>
+            </a:lightRig>
           </a:scene3d>
-          <a:sp3d prstMaterial="plastic">
-            <a:bevelT w="25400" h="25400"/>
+          <a:sp3d>
+            <a:bevelT w="38100" h="12700" prst="softRound"/>
           </a:sp3d>
         </a:effectStyle>
       </a:effectStyleLst>
@@ -6394,46 +4660,26 @@
         <a:solidFill>
           <a:schemeClr val="phClr"/>
         </a:solidFill>
+        <a:solidFill>
+          <a:schemeClr val="phClr"/>
+        </a:solidFill>
         <a:gradFill rotWithShape="1">
           <a:gsLst>
-            <a:gs pos="10000">
+            <a:gs pos="0">
               <a:schemeClr val="phClr">
-                <a:tint val="97000"/>
-                <a:hueMod val="92000"/>
-                <a:satMod val="169000"/>
-                <a:lumMod val="164000"/>
+                <a:tint val="94000"/>
+                <a:satMod val="80000"/>
+                <a:lumMod val="106000"/>
               </a:schemeClr>
             </a:gs>
             <a:gs pos="100000">
               <a:schemeClr val="phClr">
-                <a:shade val="96000"/>
-                <a:satMod val="120000"/>
-                <a:lumMod val="90000"/>
-              </a:schemeClr>
-            </a:gs>
-          </a:gsLst>
-          <a:lin ang="6120000" scaled="1"/>
-        </a:gradFill>
-        <a:gradFill rotWithShape="1">
-          <a:gsLst>
-            <a:gs pos="0">
-              <a:schemeClr val="phClr">
-                <a:tint val="97000"/>
-                <a:hueMod val="92000"/>
-                <a:satMod val="169000"/>
-                <a:lumMod val="164000"/>
-              </a:schemeClr>
-            </a:gs>
-            <a:gs pos="100000">
-              <a:schemeClr val="phClr">
-                <a:shade val="96000"/>
-                <a:satMod val="120000"/>
-                <a:lumMod val="90000"/>
+                <a:shade val="80000"/>
               </a:schemeClr>
             </a:gs>
           </a:gsLst>
           <a:path path="circle">
-            <a:fillToRect b="100000"/>
+            <a:fillToRect l="43000" r="43000" b="100000"/>
           </a:path>
         </a:gradFill>
       </a:bgFillStyleLst>
@@ -6443,7 +4689,7 @@
   <a:extraClrSchemeLst/>
   <a:extLst>
     <a:ext uri="{05A4C25C-085E-4340-85A3-A5531E510DB2}">
-      <thm15:themeFamily xmlns:thm15="http://schemas.microsoft.com/office/thememl/2012/main" name="Slice" id="{0507925B-6AC9-4358-8E18-C330545D08F8}" vid="{13FEC7C6-62A9-40C4-99D2-581AACACAA2F}"/>
+      <thm15:themeFamily xmlns:thm15="http://schemas.microsoft.com/office/thememl/2012/main" name="Gallery" id="{BBFCD31E-59A1-489D-B089-A3EAD7CAE12E}" vid="{F5E91637-A7B6-4E27-B710-77DA7014EE1E}"/>
     </a:ext>
   </a:extLst>
 </a:theme>
